--- a/hexapod-app/graphics/AppGui.pptx
+++ b/hexapod-app/graphics/AppGui.pptx
@@ -8,9 +8,10 @@
     <p:sldId id="257" r:id="rId2"/>
     <p:sldId id="261" r:id="rId3"/>
     <p:sldId id="262" r:id="rId4"/>
-    <p:sldId id="258" r:id="rId5"/>
-    <p:sldId id="259" r:id="rId6"/>
-    <p:sldId id="260" r:id="rId7"/>
+    <p:sldId id="263" r:id="rId5"/>
+    <p:sldId id="258" r:id="rId6"/>
+    <p:sldId id="259" r:id="rId7"/>
+    <p:sldId id="260" r:id="rId8"/>
   </p:sldIdLst>
   <p:sldSz cx="9144000" cy="5715000" type="screen16x10"/>
   <p:notesSz cx="6858000" cy="9144000"/>
@@ -248,7 +249,7 @@
           <a:p>
             <a:fld id="{25ECA476-E75F-4835-A40C-77AC98FDA97F}" type="datetimeFigureOut">
               <a:rPr lang="da-DK" smtClean="0"/>
-              <a:t>02-06-2025</a:t>
+              <a:t>01-08-2025</a:t>
             </a:fld>
             <a:endParaRPr lang="da-DK"/>
           </a:p>
@@ -418,7 +419,7 @@
           <a:p>
             <a:fld id="{25ECA476-E75F-4835-A40C-77AC98FDA97F}" type="datetimeFigureOut">
               <a:rPr lang="da-DK" smtClean="0"/>
-              <a:t>02-06-2025</a:t>
+              <a:t>01-08-2025</a:t>
             </a:fld>
             <a:endParaRPr lang="da-DK"/>
           </a:p>
@@ -598,7 +599,7 @@
           <a:p>
             <a:fld id="{25ECA476-E75F-4835-A40C-77AC98FDA97F}" type="datetimeFigureOut">
               <a:rPr lang="da-DK" smtClean="0"/>
-              <a:t>02-06-2025</a:t>
+              <a:t>01-08-2025</a:t>
             </a:fld>
             <a:endParaRPr lang="da-DK"/>
           </a:p>
@@ -768,7 +769,7 @@
           <a:p>
             <a:fld id="{25ECA476-E75F-4835-A40C-77AC98FDA97F}" type="datetimeFigureOut">
               <a:rPr lang="da-DK" smtClean="0"/>
-              <a:t>02-06-2025</a:t>
+              <a:t>01-08-2025</a:t>
             </a:fld>
             <a:endParaRPr lang="da-DK"/>
           </a:p>
@@ -1014,7 +1015,7 @@
           <a:p>
             <a:fld id="{25ECA476-E75F-4835-A40C-77AC98FDA97F}" type="datetimeFigureOut">
               <a:rPr lang="da-DK" smtClean="0"/>
-              <a:t>02-06-2025</a:t>
+              <a:t>01-08-2025</a:t>
             </a:fld>
             <a:endParaRPr lang="da-DK"/>
           </a:p>
@@ -1246,7 +1247,7 @@
           <a:p>
             <a:fld id="{25ECA476-E75F-4835-A40C-77AC98FDA97F}" type="datetimeFigureOut">
               <a:rPr lang="da-DK" smtClean="0"/>
-              <a:t>02-06-2025</a:t>
+              <a:t>01-08-2025</a:t>
             </a:fld>
             <a:endParaRPr lang="da-DK"/>
           </a:p>
@@ -1613,7 +1614,7 @@
           <a:p>
             <a:fld id="{25ECA476-E75F-4835-A40C-77AC98FDA97F}" type="datetimeFigureOut">
               <a:rPr lang="da-DK" smtClean="0"/>
-              <a:t>02-06-2025</a:t>
+              <a:t>01-08-2025</a:t>
             </a:fld>
             <a:endParaRPr lang="da-DK"/>
           </a:p>
@@ -1731,7 +1732,7 @@
           <a:p>
             <a:fld id="{25ECA476-E75F-4835-A40C-77AC98FDA97F}" type="datetimeFigureOut">
               <a:rPr lang="da-DK" smtClean="0"/>
-              <a:t>02-06-2025</a:t>
+              <a:t>01-08-2025</a:t>
             </a:fld>
             <a:endParaRPr lang="da-DK"/>
           </a:p>
@@ -1826,7 +1827,7 @@
           <a:p>
             <a:fld id="{25ECA476-E75F-4835-A40C-77AC98FDA97F}" type="datetimeFigureOut">
               <a:rPr lang="da-DK" smtClean="0"/>
-              <a:t>02-06-2025</a:t>
+              <a:t>01-08-2025</a:t>
             </a:fld>
             <a:endParaRPr lang="da-DK"/>
           </a:p>
@@ -2103,7 +2104,7 @@
           <a:p>
             <a:fld id="{25ECA476-E75F-4835-A40C-77AC98FDA97F}" type="datetimeFigureOut">
               <a:rPr lang="da-DK" smtClean="0"/>
-              <a:t>02-06-2025</a:t>
+              <a:t>01-08-2025</a:t>
             </a:fld>
             <a:endParaRPr lang="da-DK"/>
           </a:p>
@@ -2360,7 +2361,7 @@
           <a:p>
             <a:fld id="{25ECA476-E75F-4835-A40C-77AC98FDA97F}" type="datetimeFigureOut">
               <a:rPr lang="da-DK" smtClean="0"/>
-              <a:t>02-06-2025</a:t>
+              <a:t>01-08-2025</a:t>
             </a:fld>
             <a:endParaRPr lang="da-DK"/>
           </a:p>
@@ -2573,7 +2574,7 @@
           <a:p>
             <a:fld id="{25ECA476-E75F-4835-A40C-77AC98FDA97F}" type="datetimeFigureOut">
               <a:rPr lang="da-DK" smtClean="0"/>
-              <a:t>02-06-2025</a:t>
+              <a:t>01-08-2025</a:t>
             </a:fld>
             <a:endParaRPr lang="da-DK"/>
           </a:p>
@@ -12427,6 +12428,4824 @@
   <p:cSld>
     <p:spTree>
       <p:nvGrpSpPr>
+        <p:cNvPr id="1" name="">
+          <a:extLst>
+            <a:ext uri="{FF2B5EF4-FFF2-40B4-BE49-F238E27FC236}">
+              <a16:creationId xmlns:a16="http://schemas.microsoft.com/office/drawing/2014/main" id="{2183E07F-38F1-CAB1-0398-1BFC3F99F12C}"/>
+            </a:ext>
+          </a:extLst>
+        </p:cNvPr>
+        <p:cNvGrpSpPr/>
+        <p:nvPr/>
+      </p:nvGrpSpPr>
+      <p:grpSpPr>
+        <a:xfrm>
+          <a:off x="0" y="0"/>
+          <a:ext cx="0" cy="0"/>
+          <a:chOff x="0" y="0"/>
+          <a:chExt cx="0" cy="0"/>
+        </a:xfrm>
+      </p:grpSpPr>
+      <p:pic>
+        <p:nvPicPr>
+          <p:cNvPr id="5" name="Picture 4">
+            <a:extLst>
+              <a:ext uri="{FF2B5EF4-FFF2-40B4-BE49-F238E27FC236}">
+                <a16:creationId xmlns:a16="http://schemas.microsoft.com/office/drawing/2014/main" id="{138B7183-AAC6-8874-9E57-0D8AAE5B4EA1}"/>
+              </a:ext>
+            </a:extLst>
+          </p:cNvPr>
+          <p:cNvPicPr>
+            <a:picLocks noChangeAspect="1"/>
+          </p:cNvPicPr>
+          <p:nvPr/>
+        </p:nvPicPr>
+        <p:blipFill>
+          <a:blip r:embed="rId2"/>
+          <a:stretch>
+            <a:fillRect/>
+          </a:stretch>
+        </p:blipFill>
+        <p:spPr>
+          <a:xfrm>
+            <a:off x="0" y="0"/>
+            <a:ext cx="9144000" cy="5715000"/>
+          </a:xfrm>
+          <a:prstGeom prst="rect">
+            <a:avLst/>
+          </a:prstGeom>
+        </p:spPr>
+      </p:pic>
+      <p:grpSp>
+        <p:nvGrpSpPr>
+          <p:cNvPr id="4" name="Group 3">
+            <a:extLst>
+              <a:ext uri="{FF2B5EF4-FFF2-40B4-BE49-F238E27FC236}">
+                <a16:creationId xmlns:a16="http://schemas.microsoft.com/office/drawing/2014/main" id="{8819CB5A-7692-2802-05A4-23EADBCB5CB2}"/>
+              </a:ext>
+            </a:extLst>
+          </p:cNvPr>
+          <p:cNvGrpSpPr/>
+          <p:nvPr/>
+        </p:nvGrpSpPr>
+        <p:grpSpPr>
+          <a:xfrm>
+            <a:off x="734909" y="1057528"/>
+            <a:ext cx="444938" cy="297001"/>
+            <a:chOff x="3911497" y="3719765"/>
+            <a:chExt cx="444938" cy="297001"/>
+          </a:xfrm>
+        </p:grpSpPr>
+        <p:cxnSp>
+          <p:nvCxnSpPr>
+            <p:cNvPr id="15" name="Straight Connector 14">
+              <a:extLst>
+                <a:ext uri="{FF2B5EF4-FFF2-40B4-BE49-F238E27FC236}">
+                  <a16:creationId xmlns:a16="http://schemas.microsoft.com/office/drawing/2014/main" id="{4CFB43CA-1077-F50C-DC2F-AD980BF81333}"/>
+                </a:ext>
+              </a:extLst>
+            </p:cNvPr>
+            <p:cNvCxnSpPr>
+              <a:cxnSpLocks/>
+            </p:cNvCxnSpPr>
+            <p:nvPr/>
+          </p:nvCxnSpPr>
+          <p:spPr>
+            <a:xfrm>
+              <a:off x="3911498" y="3719765"/>
+              <a:ext cx="0" cy="297000"/>
+            </a:xfrm>
+            <a:prstGeom prst="line">
+              <a:avLst/>
+            </a:prstGeom>
+            <a:ln w="19050" cap="rnd">
+              <a:solidFill>
+                <a:schemeClr val="bg1"/>
+              </a:solidFill>
+            </a:ln>
+          </p:spPr>
+          <p:style>
+            <a:lnRef idx="1">
+              <a:schemeClr val="accent1"/>
+            </a:lnRef>
+            <a:fillRef idx="0">
+              <a:schemeClr val="accent1"/>
+            </a:fillRef>
+            <a:effectRef idx="0">
+              <a:schemeClr val="accent1"/>
+            </a:effectRef>
+            <a:fontRef idx="minor">
+              <a:schemeClr val="tx1"/>
+            </a:fontRef>
+          </p:style>
+        </p:cxnSp>
+        <p:cxnSp>
+          <p:nvCxnSpPr>
+            <p:cNvPr id="17" name="Straight Connector 16">
+              <a:extLst>
+                <a:ext uri="{FF2B5EF4-FFF2-40B4-BE49-F238E27FC236}">
+                  <a16:creationId xmlns:a16="http://schemas.microsoft.com/office/drawing/2014/main" id="{2AF28BF6-25B2-0BE6-4161-57EE9AC80F8A}"/>
+                </a:ext>
+              </a:extLst>
+            </p:cNvPr>
+            <p:cNvCxnSpPr>
+              <a:cxnSpLocks/>
+            </p:cNvCxnSpPr>
+            <p:nvPr/>
+          </p:nvCxnSpPr>
+          <p:spPr>
+            <a:xfrm>
+              <a:off x="4356435" y="3719765"/>
+              <a:ext cx="0" cy="297000"/>
+            </a:xfrm>
+            <a:prstGeom prst="line">
+              <a:avLst/>
+            </a:prstGeom>
+            <a:ln w="19050" cap="rnd">
+              <a:solidFill>
+                <a:schemeClr val="bg1"/>
+              </a:solidFill>
+            </a:ln>
+          </p:spPr>
+          <p:style>
+            <a:lnRef idx="1">
+              <a:schemeClr val="accent1"/>
+            </a:lnRef>
+            <a:fillRef idx="0">
+              <a:schemeClr val="accent1"/>
+            </a:fillRef>
+            <a:effectRef idx="0">
+              <a:schemeClr val="accent1"/>
+            </a:effectRef>
+            <a:fontRef idx="minor">
+              <a:schemeClr val="tx1"/>
+            </a:fontRef>
+          </p:style>
+        </p:cxnSp>
+        <p:cxnSp>
+          <p:nvCxnSpPr>
+            <p:cNvPr id="26" name="Straight Connector 25">
+              <a:extLst>
+                <a:ext uri="{FF2B5EF4-FFF2-40B4-BE49-F238E27FC236}">
+                  <a16:creationId xmlns:a16="http://schemas.microsoft.com/office/drawing/2014/main" id="{DFA1C638-4DD3-45F2-ED43-6A57E2B55FAE}"/>
+                </a:ext>
+              </a:extLst>
+            </p:cNvPr>
+            <p:cNvCxnSpPr>
+              <a:cxnSpLocks/>
+            </p:cNvCxnSpPr>
+            <p:nvPr/>
+          </p:nvCxnSpPr>
+          <p:spPr>
+            <a:xfrm rot="5400000">
+              <a:off x="3945186" y="3686077"/>
+              <a:ext cx="0" cy="67377"/>
+            </a:xfrm>
+            <a:prstGeom prst="line">
+              <a:avLst/>
+            </a:prstGeom>
+            <a:ln w="19050" cap="rnd">
+              <a:solidFill>
+                <a:schemeClr val="bg1"/>
+              </a:solidFill>
+            </a:ln>
+          </p:spPr>
+          <p:style>
+            <a:lnRef idx="1">
+              <a:schemeClr val="accent1"/>
+            </a:lnRef>
+            <a:fillRef idx="0">
+              <a:schemeClr val="accent1"/>
+            </a:fillRef>
+            <a:effectRef idx="0">
+              <a:schemeClr val="accent1"/>
+            </a:effectRef>
+            <a:fontRef idx="minor">
+              <a:schemeClr val="tx1"/>
+            </a:fontRef>
+          </p:style>
+        </p:cxnSp>
+        <p:cxnSp>
+          <p:nvCxnSpPr>
+            <p:cNvPr id="30" name="Straight Connector 29">
+              <a:extLst>
+                <a:ext uri="{FF2B5EF4-FFF2-40B4-BE49-F238E27FC236}">
+                  <a16:creationId xmlns:a16="http://schemas.microsoft.com/office/drawing/2014/main" id="{70C161DC-375B-D3AF-08FC-613B218CFF38}"/>
+                </a:ext>
+              </a:extLst>
+            </p:cNvPr>
+            <p:cNvCxnSpPr>
+              <a:cxnSpLocks/>
+            </p:cNvCxnSpPr>
+            <p:nvPr/>
+          </p:nvCxnSpPr>
+          <p:spPr>
+            <a:xfrm rot="5400000">
+              <a:off x="3945186" y="3983077"/>
+              <a:ext cx="0" cy="67377"/>
+            </a:xfrm>
+            <a:prstGeom prst="line">
+              <a:avLst/>
+            </a:prstGeom>
+            <a:ln w="19050" cap="rnd">
+              <a:solidFill>
+                <a:schemeClr val="bg1"/>
+              </a:solidFill>
+            </a:ln>
+          </p:spPr>
+          <p:style>
+            <a:lnRef idx="1">
+              <a:schemeClr val="accent1"/>
+            </a:lnRef>
+            <a:fillRef idx="0">
+              <a:schemeClr val="accent1"/>
+            </a:fillRef>
+            <a:effectRef idx="0">
+              <a:schemeClr val="accent1"/>
+            </a:effectRef>
+            <a:fontRef idx="minor">
+              <a:schemeClr val="tx1"/>
+            </a:fontRef>
+          </p:style>
+        </p:cxnSp>
+        <p:cxnSp>
+          <p:nvCxnSpPr>
+            <p:cNvPr id="31" name="Straight Connector 30">
+              <a:extLst>
+                <a:ext uri="{FF2B5EF4-FFF2-40B4-BE49-F238E27FC236}">
+                  <a16:creationId xmlns:a16="http://schemas.microsoft.com/office/drawing/2014/main" id="{27808726-BBD1-1624-A1B8-998088C34D69}"/>
+                </a:ext>
+              </a:extLst>
+            </p:cNvPr>
+            <p:cNvCxnSpPr>
+              <a:cxnSpLocks/>
+            </p:cNvCxnSpPr>
+            <p:nvPr/>
+          </p:nvCxnSpPr>
+          <p:spPr>
+            <a:xfrm rot="5400000">
+              <a:off x="4322747" y="3686077"/>
+              <a:ext cx="0" cy="67377"/>
+            </a:xfrm>
+            <a:prstGeom prst="line">
+              <a:avLst/>
+            </a:prstGeom>
+            <a:ln w="19050" cap="rnd">
+              <a:solidFill>
+                <a:schemeClr val="bg1"/>
+              </a:solidFill>
+            </a:ln>
+          </p:spPr>
+          <p:style>
+            <a:lnRef idx="1">
+              <a:schemeClr val="accent1"/>
+            </a:lnRef>
+            <a:fillRef idx="0">
+              <a:schemeClr val="accent1"/>
+            </a:fillRef>
+            <a:effectRef idx="0">
+              <a:schemeClr val="accent1"/>
+            </a:effectRef>
+            <a:fontRef idx="minor">
+              <a:schemeClr val="tx1"/>
+            </a:fontRef>
+          </p:style>
+        </p:cxnSp>
+        <p:cxnSp>
+          <p:nvCxnSpPr>
+            <p:cNvPr id="32" name="Straight Connector 31">
+              <a:extLst>
+                <a:ext uri="{FF2B5EF4-FFF2-40B4-BE49-F238E27FC236}">
+                  <a16:creationId xmlns:a16="http://schemas.microsoft.com/office/drawing/2014/main" id="{6CCD09DE-52AD-BD8C-56A5-8F240A6954E3}"/>
+                </a:ext>
+              </a:extLst>
+            </p:cNvPr>
+            <p:cNvCxnSpPr>
+              <a:cxnSpLocks/>
+            </p:cNvCxnSpPr>
+            <p:nvPr/>
+          </p:nvCxnSpPr>
+          <p:spPr>
+            <a:xfrm rot="5400000">
+              <a:off x="4322747" y="3983077"/>
+              <a:ext cx="0" cy="67377"/>
+            </a:xfrm>
+            <a:prstGeom prst="line">
+              <a:avLst/>
+            </a:prstGeom>
+            <a:ln w="19050" cap="rnd">
+              <a:solidFill>
+                <a:schemeClr val="bg1"/>
+              </a:solidFill>
+            </a:ln>
+          </p:spPr>
+          <p:style>
+            <a:lnRef idx="1">
+              <a:schemeClr val="accent1"/>
+            </a:lnRef>
+            <a:fillRef idx="0">
+              <a:schemeClr val="accent1"/>
+            </a:fillRef>
+            <a:effectRef idx="0">
+              <a:schemeClr val="accent1"/>
+            </a:effectRef>
+            <a:fontRef idx="minor">
+              <a:schemeClr val="tx1"/>
+            </a:fontRef>
+          </p:style>
+        </p:cxnSp>
+        <p:cxnSp>
+          <p:nvCxnSpPr>
+            <p:cNvPr id="33" name="Straight Connector 32">
+              <a:extLst>
+                <a:ext uri="{FF2B5EF4-FFF2-40B4-BE49-F238E27FC236}">
+                  <a16:creationId xmlns:a16="http://schemas.microsoft.com/office/drawing/2014/main" id="{B681D02B-CA40-FA2C-62C4-797F1775459C}"/>
+                </a:ext>
+              </a:extLst>
+            </p:cNvPr>
+            <p:cNvCxnSpPr>
+              <a:cxnSpLocks/>
+            </p:cNvCxnSpPr>
+            <p:nvPr/>
+          </p:nvCxnSpPr>
+          <p:spPr>
+            <a:xfrm rot="5400000">
+              <a:off x="4253795" y="3721415"/>
+              <a:ext cx="35640" cy="32341"/>
+            </a:xfrm>
+            <a:prstGeom prst="line">
+              <a:avLst/>
+            </a:prstGeom>
+            <a:ln w="19050" cap="rnd">
+              <a:solidFill>
+                <a:schemeClr val="bg1"/>
+              </a:solidFill>
+            </a:ln>
+          </p:spPr>
+          <p:style>
+            <a:lnRef idx="1">
+              <a:schemeClr val="accent1"/>
+            </a:lnRef>
+            <a:fillRef idx="0">
+              <a:schemeClr val="accent1"/>
+            </a:fillRef>
+            <a:effectRef idx="0">
+              <a:schemeClr val="accent1"/>
+            </a:effectRef>
+            <a:fontRef idx="minor">
+              <a:schemeClr val="tx1"/>
+            </a:fontRef>
+          </p:style>
+        </p:cxnSp>
+        <p:cxnSp>
+          <p:nvCxnSpPr>
+            <p:cNvPr id="34" name="Straight Connector 33">
+              <a:extLst>
+                <a:ext uri="{FF2B5EF4-FFF2-40B4-BE49-F238E27FC236}">
+                  <a16:creationId xmlns:a16="http://schemas.microsoft.com/office/drawing/2014/main" id="{01DF194F-D5EE-91B1-157B-F015AC0C5010}"/>
+                </a:ext>
+              </a:extLst>
+            </p:cNvPr>
+            <p:cNvCxnSpPr>
+              <a:cxnSpLocks/>
+            </p:cNvCxnSpPr>
+            <p:nvPr/>
+          </p:nvCxnSpPr>
+          <p:spPr>
+            <a:xfrm rot="5400000">
+              <a:off x="3977225" y="3982775"/>
+              <a:ext cx="35640" cy="32341"/>
+            </a:xfrm>
+            <a:prstGeom prst="line">
+              <a:avLst/>
+            </a:prstGeom>
+            <a:ln w="19050" cap="rnd">
+              <a:solidFill>
+                <a:schemeClr val="bg1"/>
+              </a:solidFill>
+            </a:ln>
+          </p:spPr>
+          <p:style>
+            <a:lnRef idx="1">
+              <a:schemeClr val="accent1"/>
+            </a:lnRef>
+            <a:fillRef idx="0">
+              <a:schemeClr val="accent1"/>
+            </a:fillRef>
+            <a:effectRef idx="0">
+              <a:schemeClr val="accent1"/>
+            </a:effectRef>
+            <a:fontRef idx="minor">
+              <a:schemeClr val="tx1"/>
+            </a:fontRef>
+          </p:style>
+        </p:cxnSp>
+        <p:cxnSp>
+          <p:nvCxnSpPr>
+            <p:cNvPr id="35" name="Straight Connector 34">
+              <a:extLst>
+                <a:ext uri="{FF2B5EF4-FFF2-40B4-BE49-F238E27FC236}">
+                  <a16:creationId xmlns:a16="http://schemas.microsoft.com/office/drawing/2014/main" id="{5E61539E-D655-63B2-BFE7-E9B11793B564}"/>
+                </a:ext>
+              </a:extLst>
+            </p:cNvPr>
+            <p:cNvCxnSpPr>
+              <a:cxnSpLocks/>
+            </p:cNvCxnSpPr>
+            <p:nvPr/>
+          </p:nvCxnSpPr>
+          <p:spPr>
+            <a:xfrm rot="10800000">
+              <a:off x="3978875" y="3719765"/>
+              <a:ext cx="32341" cy="35640"/>
+            </a:xfrm>
+            <a:prstGeom prst="line">
+              <a:avLst/>
+            </a:prstGeom>
+            <a:ln w="19050" cap="rnd">
+              <a:solidFill>
+                <a:schemeClr val="bg1"/>
+              </a:solidFill>
+            </a:ln>
+          </p:spPr>
+          <p:style>
+            <a:lnRef idx="1">
+              <a:schemeClr val="accent1"/>
+            </a:lnRef>
+            <a:fillRef idx="0">
+              <a:schemeClr val="accent1"/>
+            </a:fillRef>
+            <a:effectRef idx="0">
+              <a:schemeClr val="accent1"/>
+            </a:effectRef>
+            <a:fontRef idx="minor">
+              <a:schemeClr val="tx1"/>
+            </a:fontRef>
+          </p:style>
+        </p:cxnSp>
+        <p:cxnSp>
+          <p:nvCxnSpPr>
+            <p:cNvPr id="36" name="Straight Connector 35">
+              <a:extLst>
+                <a:ext uri="{FF2B5EF4-FFF2-40B4-BE49-F238E27FC236}">
+                  <a16:creationId xmlns:a16="http://schemas.microsoft.com/office/drawing/2014/main" id="{0EFE3DE6-EF93-222E-97C4-A17B1EF9D500}"/>
+                </a:ext>
+              </a:extLst>
+            </p:cNvPr>
+            <p:cNvCxnSpPr>
+              <a:cxnSpLocks/>
+            </p:cNvCxnSpPr>
+            <p:nvPr/>
+          </p:nvCxnSpPr>
+          <p:spPr>
+            <a:xfrm rot="10800000">
+              <a:off x="4255445" y="3981124"/>
+              <a:ext cx="32341" cy="35640"/>
+            </a:xfrm>
+            <a:prstGeom prst="line">
+              <a:avLst/>
+            </a:prstGeom>
+            <a:ln w="19050" cap="rnd">
+              <a:solidFill>
+                <a:schemeClr val="bg1"/>
+              </a:solidFill>
+            </a:ln>
+          </p:spPr>
+          <p:style>
+            <a:lnRef idx="1">
+              <a:schemeClr val="accent1"/>
+            </a:lnRef>
+            <a:fillRef idx="0">
+              <a:schemeClr val="accent1"/>
+            </a:fillRef>
+            <a:effectRef idx="0">
+              <a:schemeClr val="accent1"/>
+            </a:effectRef>
+            <a:fontRef idx="minor">
+              <a:schemeClr val="tx1"/>
+            </a:fontRef>
+          </p:style>
+        </p:cxnSp>
+        <p:cxnSp>
+          <p:nvCxnSpPr>
+            <p:cNvPr id="42" name="Straight Connector 41">
+              <a:extLst>
+                <a:ext uri="{FF2B5EF4-FFF2-40B4-BE49-F238E27FC236}">
+                  <a16:creationId xmlns:a16="http://schemas.microsoft.com/office/drawing/2014/main" id="{50ABA5E2-79E5-7119-F68E-F80765029666}"/>
+                </a:ext>
+              </a:extLst>
+            </p:cNvPr>
+            <p:cNvCxnSpPr>
+              <a:cxnSpLocks/>
+            </p:cNvCxnSpPr>
+            <p:nvPr/>
+          </p:nvCxnSpPr>
+          <p:spPr>
+            <a:xfrm flipH="1">
+              <a:off x="4012406" y="3756808"/>
+              <a:ext cx="243039" cy="0"/>
+            </a:xfrm>
+            <a:prstGeom prst="line">
+              <a:avLst/>
+            </a:prstGeom>
+            <a:ln w="19050" cap="rnd">
+              <a:solidFill>
+                <a:schemeClr val="bg1"/>
+              </a:solidFill>
+            </a:ln>
+          </p:spPr>
+          <p:style>
+            <a:lnRef idx="1">
+              <a:schemeClr val="accent1"/>
+            </a:lnRef>
+            <a:fillRef idx="0">
+              <a:schemeClr val="accent1"/>
+            </a:fillRef>
+            <a:effectRef idx="0">
+              <a:schemeClr val="accent1"/>
+            </a:effectRef>
+            <a:fontRef idx="minor">
+              <a:schemeClr val="tx1"/>
+            </a:fontRef>
+          </p:style>
+        </p:cxnSp>
+        <p:cxnSp>
+          <p:nvCxnSpPr>
+            <p:cNvPr id="44" name="Straight Connector 43">
+              <a:extLst>
+                <a:ext uri="{FF2B5EF4-FFF2-40B4-BE49-F238E27FC236}">
+                  <a16:creationId xmlns:a16="http://schemas.microsoft.com/office/drawing/2014/main" id="{C3EACAF9-4CEC-4916-B456-14A8ED71219E}"/>
+                </a:ext>
+              </a:extLst>
+            </p:cNvPr>
+            <p:cNvCxnSpPr>
+              <a:cxnSpLocks/>
+            </p:cNvCxnSpPr>
+            <p:nvPr/>
+          </p:nvCxnSpPr>
+          <p:spPr>
+            <a:xfrm flipH="1">
+              <a:off x="4011216" y="3981124"/>
+              <a:ext cx="252000" cy="0"/>
+            </a:xfrm>
+            <a:prstGeom prst="line">
+              <a:avLst/>
+            </a:prstGeom>
+            <a:ln w="19050" cap="rnd">
+              <a:solidFill>
+                <a:schemeClr val="bg1"/>
+              </a:solidFill>
+            </a:ln>
+          </p:spPr>
+          <p:style>
+            <a:lnRef idx="1">
+              <a:schemeClr val="accent1"/>
+            </a:lnRef>
+            <a:fillRef idx="0">
+              <a:schemeClr val="accent1"/>
+            </a:fillRef>
+            <a:effectRef idx="0">
+              <a:schemeClr val="accent1"/>
+            </a:effectRef>
+            <a:fontRef idx="minor">
+              <a:schemeClr val="tx1"/>
+            </a:fontRef>
+          </p:style>
+        </p:cxnSp>
+        <p:sp>
+          <p:nvSpPr>
+            <p:cNvPr id="14" name="Rectangle 13">
+              <a:extLst>
+                <a:ext uri="{FF2B5EF4-FFF2-40B4-BE49-F238E27FC236}">
+                  <a16:creationId xmlns:a16="http://schemas.microsoft.com/office/drawing/2014/main" id="{30678EB1-1DC6-55AE-6263-C6F4D13579FD}"/>
+                </a:ext>
+              </a:extLst>
+            </p:cNvPr>
+            <p:cNvSpPr/>
+            <p:nvPr/>
+          </p:nvSpPr>
+          <p:spPr>
+            <a:xfrm>
+              <a:off x="4048659" y="3775932"/>
+              <a:ext cx="171521" cy="184666"/>
+            </a:xfrm>
+            <a:prstGeom prst="rect">
+              <a:avLst/>
+            </a:prstGeom>
+            <a:noFill/>
+            <a:ln w="19050">
+              <a:noFill/>
+            </a:ln>
+          </p:spPr>
+          <p:style>
+            <a:lnRef idx="2">
+              <a:schemeClr val="accent1">
+                <a:shade val="50000"/>
+              </a:schemeClr>
+            </a:lnRef>
+            <a:fillRef idx="1">
+              <a:schemeClr val="accent1"/>
+            </a:fillRef>
+            <a:effectRef idx="0">
+              <a:schemeClr val="accent1"/>
+            </a:effectRef>
+            <a:fontRef idx="minor">
+              <a:schemeClr val="lt1"/>
+            </a:fontRef>
+          </p:style>
+          <p:txBody>
+            <a:bodyPr wrap="none" lIns="0" tIns="0" rIns="0" bIns="0" rtlCol="0" anchor="ctr">
+              <a:spAutoFit/>
+            </a:bodyPr>
+            <a:lstStyle/>
+            <a:p>
+              <a:pPr algn="ctr"/>
+              <a:r>
+                <a:rPr lang="da-DK" sz="1200" b="1" dirty="0">
+                  <a:latin typeface="Tecnico" panose="02000503000000000000" pitchFamily="2" charset="0"/>
+                </a:rPr>
+                <a:t>A1</a:t>
+              </a:r>
+            </a:p>
+          </p:txBody>
+        </p:sp>
+      </p:grpSp>
+      <p:grpSp>
+        <p:nvGrpSpPr>
+          <p:cNvPr id="7" name="Group 6">
+            <a:extLst>
+              <a:ext uri="{FF2B5EF4-FFF2-40B4-BE49-F238E27FC236}">
+                <a16:creationId xmlns:a16="http://schemas.microsoft.com/office/drawing/2014/main" id="{E3A945EA-91ED-8ECD-5324-FCBDE8640E2C}"/>
+              </a:ext>
+            </a:extLst>
+          </p:cNvPr>
+          <p:cNvGrpSpPr/>
+          <p:nvPr/>
+        </p:nvGrpSpPr>
+        <p:grpSpPr>
+          <a:xfrm>
+            <a:off x="1696254" y="1057528"/>
+            <a:ext cx="444938" cy="297001"/>
+            <a:chOff x="3911497" y="3719765"/>
+            <a:chExt cx="444938" cy="297001"/>
+          </a:xfrm>
+        </p:grpSpPr>
+        <p:cxnSp>
+          <p:nvCxnSpPr>
+            <p:cNvPr id="8" name="Straight Connector 7">
+              <a:extLst>
+                <a:ext uri="{FF2B5EF4-FFF2-40B4-BE49-F238E27FC236}">
+                  <a16:creationId xmlns:a16="http://schemas.microsoft.com/office/drawing/2014/main" id="{EA44881B-5951-EA8C-0546-F1C29630E0E1}"/>
+                </a:ext>
+              </a:extLst>
+            </p:cNvPr>
+            <p:cNvCxnSpPr>
+              <a:cxnSpLocks/>
+            </p:cNvCxnSpPr>
+            <p:nvPr/>
+          </p:nvCxnSpPr>
+          <p:spPr>
+            <a:xfrm>
+              <a:off x="3911498" y="3719765"/>
+              <a:ext cx="0" cy="297000"/>
+            </a:xfrm>
+            <a:prstGeom prst="line">
+              <a:avLst/>
+            </a:prstGeom>
+            <a:ln w="19050" cap="rnd">
+              <a:solidFill>
+                <a:schemeClr val="bg1"/>
+              </a:solidFill>
+            </a:ln>
+          </p:spPr>
+          <p:style>
+            <a:lnRef idx="1">
+              <a:schemeClr val="accent1"/>
+            </a:lnRef>
+            <a:fillRef idx="0">
+              <a:schemeClr val="accent1"/>
+            </a:fillRef>
+            <a:effectRef idx="0">
+              <a:schemeClr val="accent1"/>
+            </a:effectRef>
+            <a:fontRef idx="minor">
+              <a:schemeClr val="tx1"/>
+            </a:fontRef>
+          </p:style>
+        </p:cxnSp>
+        <p:cxnSp>
+          <p:nvCxnSpPr>
+            <p:cNvPr id="9" name="Straight Connector 8">
+              <a:extLst>
+                <a:ext uri="{FF2B5EF4-FFF2-40B4-BE49-F238E27FC236}">
+                  <a16:creationId xmlns:a16="http://schemas.microsoft.com/office/drawing/2014/main" id="{138D2DEB-C8B0-156F-9C86-1F322DC6D3B8}"/>
+                </a:ext>
+              </a:extLst>
+            </p:cNvPr>
+            <p:cNvCxnSpPr>
+              <a:cxnSpLocks/>
+            </p:cNvCxnSpPr>
+            <p:nvPr/>
+          </p:nvCxnSpPr>
+          <p:spPr>
+            <a:xfrm>
+              <a:off x="4356435" y="3719765"/>
+              <a:ext cx="0" cy="297000"/>
+            </a:xfrm>
+            <a:prstGeom prst="line">
+              <a:avLst/>
+            </a:prstGeom>
+            <a:ln w="19050" cap="rnd">
+              <a:solidFill>
+                <a:schemeClr val="bg1"/>
+              </a:solidFill>
+            </a:ln>
+          </p:spPr>
+          <p:style>
+            <a:lnRef idx="1">
+              <a:schemeClr val="accent1"/>
+            </a:lnRef>
+            <a:fillRef idx="0">
+              <a:schemeClr val="accent1"/>
+            </a:fillRef>
+            <a:effectRef idx="0">
+              <a:schemeClr val="accent1"/>
+            </a:effectRef>
+            <a:fontRef idx="minor">
+              <a:schemeClr val="tx1"/>
+            </a:fontRef>
+          </p:style>
+        </p:cxnSp>
+        <p:cxnSp>
+          <p:nvCxnSpPr>
+            <p:cNvPr id="43" name="Straight Connector 42">
+              <a:extLst>
+                <a:ext uri="{FF2B5EF4-FFF2-40B4-BE49-F238E27FC236}">
+                  <a16:creationId xmlns:a16="http://schemas.microsoft.com/office/drawing/2014/main" id="{2D7101F3-8B4B-434D-B936-43A766E457E2}"/>
+                </a:ext>
+              </a:extLst>
+            </p:cNvPr>
+            <p:cNvCxnSpPr>
+              <a:cxnSpLocks/>
+            </p:cNvCxnSpPr>
+            <p:nvPr/>
+          </p:nvCxnSpPr>
+          <p:spPr>
+            <a:xfrm rot="5400000">
+              <a:off x="3945186" y="3686077"/>
+              <a:ext cx="0" cy="67377"/>
+            </a:xfrm>
+            <a:prstGeom prst="line">
+              <a:avLst/>
+            </a:prstGeom>
+            <a:ln w="19050" cap="rnd">
+              <a:solidFill>
+                <a:schemeClr val="bg1"/>
+              </a:solidFill>
+            </a:ln>
+          </p:spPr>
+          <p:style>
+            <a:lnRef idx="1">
+              <a:schemeClr val="accent1"/>
+            </a:lnRef>
+            <a:fillRef idx="0">
+              <a:schemeClr val="accent1"/>
+            </a:fillRef>
+            <a:effectRef idx="0">
+              <a:schemeClr val="accent1"/>
+            </a:effectRef>
+            <a:fontRef idx="minor">
+              <a:schemeClr val="tx1"/>
+            </a:fontRef>
+          </p:style>
+        </p:cxnSp>
+        <p:cxnSp>
+          <p:nvCxnSpPr>
+            <p:cNvPr id="45" name="Straight Connector 44">
+              <a:extLst>
+                <a:ext uri="{FF2B5EF4-FFF2-40B4-BE49-F238E27FC236}">
+                  <a16:creationId xmlns:a16="http://schemas.microsoft.com/office/drawing/2014/main" id="{15B7ACD6-5783-F02D-368D-4E0A82B664F6}"/>
+                </a:ext>
+              </a:extLst>
+            </p:cNvPr>
+            <p:cNvCxnSpPr>
+              <a:cxnSpLocks/>
+            </p:cNvCxnSpPr>
+            <p:nvPr/>
+          </p:nvCxnSpPr>
+          <p:spPr>
+            <a:xfrm rot="5400000">
+              <a:off x="3945186" y="3983077"/>
+              <a:ext cx="0" cy="67377"/>
+            </a:xfrm>
+            <a:prstGeom prst="line">
+              <a:avLst/>
+            </a:prstGeom>
+            <a:ln w="19050" cap="rnd">
+              <a:solidFill>
+                <a:schemeClr val="bg1"/>
+              </a:solidFill>
+            </a:ln>
+          </p:spPr>
+          <p:style>
+            <a:lnRef idx="1">
+              <a:schemeClr val="accent1"/>
+            </a:lnRef>
+            <a:fillRef idx="0">
+              <a:schemeClr val="accent1"/>
+            </a:fillRef>
+            <a:effectRef idx="0">
+              <a:schemeClr val="accent1"/>
+            </a:effectRef>
+            <a:fontRef idx="minor">
+              <a:schemeClr val="tx1"/>
+            </a:fontRef>
+          </p:style>
+        </p:cxnSp>
+        <p:cxnSp>
+          <p:nvCxnSpPr>
+            <p:cNvPr id="46" name="Straight Connector 45">
+              <a:extLst>
+                <a:ext uri="{FF2B5EF4-FFF2-40B4-BE49-F238E27FC236}">
+                  <a16:creationId xmlns:a16="http://schemas.microsoft.com/office/drawing/2014/main" id="{EBEA18BF-C657-BB68-FD64-938F1488F5CC}"/>
+                </a:ext>
+              </a:extLst>
+            </p:cNvPr>
+            <p:cNvCxnSpPr>
+              <a:cxnSpLocks/>
+            </p:cNvCxnSpPr>
+            <p:nvPr/>
+          </p:nvCxnSpPr>
+          <p:spPr>
+            <a:xfrm rot="5400000">
+              <a:off x="4322747" y="3686077"/>
+              <a:ext cx="0" cy="67377"/>
+            </a:xfrm>
+            <a:prstGeom prst="line">
+              <a:avLst/>
+            </a:prstGeom>
+            <a:ln w="19050" cap="rnd">
+              <a:solidFill>
+                <a:schemeClr val="bg1"/>
+              </a:solidFill>
+            </a:ln>
+          </p:spPr>
+          <p:style>
+            <a:lnRef idx="1">
+              <a:schemeClr val="accent1"/>
+            </a:lnRef>
+            <a:fillRef idx="0">
+              <a:schemeClr val="accent1"/>
+            </a:fillRef>
+            <a:effectRef idx="0">
+              <a:schemeClr val="accent1"/>
+            </a:effectRef>
+            <a:fontRef idx="minor">
+              <a:schemeClr val="tx1"/>
+            </a:fontRef>
+          </p:style>
+        </p:cxnSp>
+        <p:cxnSp>
+          <p:nvCxnSpPr>
+            <p:cNvPr id="47" name="Straight Connector 46">
+              <a:extLst>
+                <a:ext uri="{FF2B5EF4-FFF2-40B4-BE49-F238E27FC236}">
+                  <a16:creationId xmlns:a16="http://schemas.microsoft.com/office/drawing/2014/main" id="{CA4655C3-6A3B-E0C3-14D1-023FA0E65562}"/>
+                </a:ext>
+              </a:extLst>
+            </p:cNvPr>
+            <p:cNvCxnSpPr>
+              <a:cxnSpLocks/>
+            </p:cNvCxnSpPr>
+            <p:nvPr/>
+          </p:nvCxnSpPr>
+          <p:spPr>
+            <a:xfrm rot="5400000">
+              <a:off x="4322747" y="3983077"/>
+              <a:ext cx="0" cy="67377"/>
+            </a:xfrm>
+            <a:prstGeom prst="line">
+              <a:avLst/>
+            </a:prstGeom>
+            <a:ln w="19050" cap="rnd">
+              <a:solidFill>
+                <a:schemeClr val="bg1"/>
+              </a:solidFill>
+            </a:ln>
+          </p:spPr>
+          <p:style>
+            <a:lnRef idx="1">
+              <a:schemeClr val="accent1"/>
+            </a:lnRef>
+            <a:fillRef idx="0">
+              <a:schemeClr val="accent1"/>
+            </a:fillRef>
+            <a:effectRef idx="0">
+              <a:schemeClr val="accent1"/>
+            </a:effectRef>
+            <a:fontRef idx="minor">
+              <a:schemeClr val="tx1"/>
+            </a:fontRef>
+          </p:style>
+        </p:cxnSp>
+        <p:cxnSp>
+          <p:nvCxnSpPr>
+            <p:cNvPr id="48" name="Straight Connector 47">
+              <a:extLst>
+                <a:ext uri="{FF2B5EF4-FFF2-40B4-BE49-F238E27FC236}">
+                  <a16:creationId xmlns:a16="http://schemas.microsoft.com/office/drawing/2014/main" id="{4A8D2A01-0AE0-B695-5599-48DFDB225FE1}"/>
+                </a:ext>
+              </a:extLst>
+            </p:cNvPr>
+            <p:cNvCxnSpPr>
+              <a:cxnSpLocks/>
+            </p:cNvCxnSpPr>
+            <p:nvPr/>
+          </p:nvCxnSpPr>
+          <p:spPr>
+            <a:xfrm rot="5400000">
+              <a:off x="4253795" y="3721415"/>
+              <a:ext cx="35640" cy="32341"/>
+            </a:xfrm>
+            <a:prstGeom prst="line">
+              <a:avLst/>
+            </a:prstGeom>
+            <a:ln w="19050" cap="rnd">
+              <a:solidFill>
+                <a:schemeClr val="bg1"/>
+              </a:solidFill>
+            </a:ln>
+          </p:spPr>
+          <p:style>
+            <a:lnRef idx="1">
+              <a:schemeClr val="accent1"/>
+            </a:lnRef>
+            <a:fillRef idx="0">
+              <a:schemeClr val="accent1"/>
+            </a:fillRef>
+            <a:effectRef idx="0">
+              <a:schemeClr val="accent1"/>
+            </a:effectRef>
+            <a:fontRef idx="minor">
+              <a:schemeClr val="tx1"/>
+            </a:fontRef>
+          </p:style>
+        </p:cxnSp>
+        <p:cxnSp>
+          <p:nvCxnSpPr>
+            <p:cNvPr id="49" name="Straight Connector 48">
+              <a:extLst>
+                <a:ext uri="{FF2B5EF4-FFF2-40B4-BE49-F238E27FC236}">
+                  <a16:creationId xmlns:a16="http://schemas.microsoft.com/office/drawing/2014/main" id="{BBFBAC78-F50F-5FBB-F588-D45DFA05C1C3}"/>
+                </a:ext>
+              </a:extLst>
+            </p:cNvPr>
+            <p:cNvCxnSpPr>
+              <a:cxnSpLocks/>
+            </p:cNvCxnSpPr>
+            <p:nvPr/>
+          </p:nvCxnSpPr>
+          <p:spPr>
+            <a:xfrm rot="5400000">
+              <a:off x="3977225" y="3982775"/>
+              <a:ext cx="35640" cy="32341"/>
+            </a:xfrm>
+            <a:prstGeom prst="line">
+              <a:avLst/>
+            </a:prstGeom>
+            <a:ln w="19050" cap="rnd">
+              <a:solidFill>
+                <a:schemeClr val="bg1"/>
+              </a:solidFill>
+            </a:ln>
+          </p:spPr>
+          <p:style>
+            <a:lnRef idx="1">
+              <a:schemeClr val="accent1"/>
+            </a:lnRef>
+            <a:fillRef idx="0">
+              <a:schemeClr val="accent1"/>
+            </a:fillRef>
+            <a:effectRef idx="0">
+              <a:schemeClr val="accent1"/>
+            </a:effectRef>
+            <a:fontRef idx="minor">
+              <a:schemeClr val="tx1"/>
+            </a:fontRef>
+          </p:style>
+        </p:cxnSp>
+        <p:cxnSp>
+          <p:nvCxnSpPr>
+            <p:cNvPr id="50" name="Straight Connector 49">
+              <a:extLst>
+                <a:ext uri="{FF2B5EF4-FFF2-40B4-BE49-F238E27FC236}">
+                  <a16:creationId xmlns:a16="http://schemas.microsoft.com/office/drawing/2014/main" id="{2156071A-06A4-8DC9-FA95-B02BB01D73DE}"/>
+                </a:ext>
+              </a:extLst>
+            </p:cNvPr>
+            <p:cNvCxnSpPr>
+              <a:cxnSpLocks/>
+            </p:cNvCxnSpPr>
+            <p:nvPr/>
+          </p:nvCxnSpPr>
+          <p:spPr>
+            <a:xfrm rot="10800000">
+              <a:off x="3978875" y="3719765"/>
+              <a:ext cx="32341" cy="35640"/>
+            </a:xfrm>
+            <a:prstGeom prst="line">
+              <a:avLst/>
+            </a:prstGeom>
+            <a:ln w="19050" cap="rnd">
+              <a:solidFill>
+                <a:schemeClr val="bg1"/>
+              </a:solidFill>
+            </a:ln>
+          </p:spPr>
+          <p:style>
+            <a:lnRef idx="1">
+              <a:schemeClr val="accent1"/>
+            </a:lnRef>
+            <a:fillRef idx="0">
+              <a:schemeClr val="accent1"/>
+            </a:fillRef>
+            <a:effectRef idx="0">
+              <a:schemeClr val="accent1"/>
+            </a:effectRef>
+            <a:fontRef idx="minor">
+              <a:schemeClr val="tx1"/>
+            </a:fontRef>
+          </p:style>
+        </p:cxnSp>
+        <p:cxnSp>
+          <p:nvCxnSpPr>
+            <p:cNvPr id="51" name="Straight Connector 50">
+              <a:extLst>
+                <a:ext uri="{FF2B5EF4-FFF2-40B4-BE49-F238E27FC236}">
+                  <a16:creationId xmlns:a16="http://schemas.microsoft.com/office/drawing/2014/main" id="{5BE52889-77B0-ABE6-9256-94BDA7104CC2}"/>
+                </a:ext>
+              </a:extLst>
+            </p:cNvPr>
+            <p:cNvCxnSpPr>
+              <a:cxnSpLocks/>
+            </p:cNvCxnSpPr>
+            <p:nvPr/>
+          </p:nvCxnSpPr>
+          <p:spPr>
+            <a:xfrm rot="10800000">
+              <a:off x="4255445" y="3981124"/>
+              <a:ext cx="32341" cy="35640"/>
+            </a:xfrm>
+            <a:prstGeom prst="line">
+              <a:avLst/>
+            </a:prstGeom>
+            <a:ln w="19050" cap="rnd">
+              <a:solidFill>
+                <a:schemeClr val="bg1"/>
+              </a:solidFill>
+            </a:ln>
+          </p:spPr>
+          <p:style>
+            <a:lnRef idx="1">
+              <a:schemeClr val="accent1"/>
+            </a:lnRef>
+            <a:fillRef idx="0">
+              <a:schemeClr val="accent1"/>
+            </a:fillRef>
+            <a:effectRef idx="0">
+              <a:schemeClr val="accent1"/>
+            </a:effectRef>
+            <a:fontRef idx="minor">
+              <a:schemeClr val="tx1"/>
+            </a:fontRef>
+          </p:style>
+        </p:cxnSp>
+        <p:cxnSp>
+          <p:nvCxnSpPr>
+            <p:cNvPr id="52" name="Straight Connector 51">
+              <a:extLst>
+                <a:ext uri="{FF2B5EF4-FFF2-40B4-BE49-F238E27FC236}">
+                  <a16:creationId xmlns:a16="http://schemas.microsoft.com/office/drawing/2014/main" id="{8A4763F1-7E67-7A54-DE25-2BC68FCDFD22}"/>
+                </a:ext>
+              </a:extLst>
+            </p:cNvPr>
+            <p:cNvCxnSpPr>
+              <a:cxnSpLocks/>
+            </p:cNvCxnSpPr>
+            <p:nvPr/>
+          </p:nvCxnSpPr>
+          <p:spPr>
+            <a:xfrm flipH="1">
+              <a:off x="4012406" y="3756808"/>
+              <a:ext cx="243039" cy="0"/>
+            </a:xfrm>
+            <a:prstGeom prst="line">
+              <a:avLst/>
+            </a:prstGeom>
+            <a:ln w="19050" cap="rnd">
+              <a:solidFill>
+                <a:schemeClr val="bg1"/>
+              </a:solidFill>
+            </a:ln>
+          </p:spPr>
+          <p:style>
+            <a:lnRef idx="1">
+              <a:schemeClr val="accent1"/>
+            </a:lnRef>
+            <a:fillRef idx="0">
+              <a:schemeClr val="accent1"/>
+            </a:fillRef>
+            <a:effectRef idx="0">
+              <a:schemeClr val="accent1"/>
+            </a:effectRef>
+            <a:fontRef idx="minor">
+              <a:schemeClr val="tx1"/>
+            </a:fontRef>
+          </p:style>
+        </p:cxnSp>
+        <p:cxnSp>
+          <p:nvCxnSpPr>
+            <p:cNvPr id="53" name="Straight Connector 52">
+              <a:extLst>
+                <a:ext uri="{FF2B5EF4-FFF2-40B4-BE49-F238E27FC236}">
+                  <a16:creationId xmlns:a16="http://schemas.microsoft.com/office/drawing/2014/main" id="{54362971-5382-8970-200F-DFA56FDB7861}"/>
+                </a:ext>
+              </a:extLst>
+            </p:cNvPr>
+            <p:cNvCxnSpPr>
+              <a:cxnSpLocks/>
+            </p:cNvCxnSpPr>
+            <p:nvPr/>
+          </p:nvCxnSpPr>
+          <p:spPr>
+            <a:xfrm flipH="1">
+              <a:off x="4011216" y="3981124"/>
+              <a:ext cx="252000" cy="0"/>
+            </a:xfrm>
+            <a:prstGeom prst="line">
+              <a:avLst/>
+            </a:prstGeom>
+            <a:ln w="19050" cap="rnd">
+              <a:solidFill>
+                <a:schemeClr val="bg1"/>
+              </a:solidFill>
+            </a:ln>
+          </p:spPr>
+          <p:style>
+            <a:lnRef idx="1">
+              <a:schemeClr val="accent1"/>
+            </a:lnRef>
+            <a:fillRef idx="0">
+              <a:schemeClr val="accent1"/>
+            </a:fillRef>
+            <a:effectRef idx="0">
+              <a:schemeClr val="accent1"/>
+            </a:effectRef>
+            <a:fontRef idx="minor">
+              <a:schemeClr val="tx1"/>
+            </a:fontRef>
+          </p:style>
+        </p:cxnSp>
+        <p:sp>
+          <p:nvSpPr>
+            <p:cNvPr id="54" name="Rectangle 53">
+              <a:extLst>
+                <a:ext uri="{FF2B5EF4-FFF2-40B4-BE49-F238E27FC236}">
+                  <a16:creationId xmlns:a16="http://schemas.microsoft.com/office/drawing/2014/main" id="{9CCAC5DC-8978-5CB9-24EB-3E3895AE77FE}"/>
+                </a:ext>
+              </a:extLst>
+            </p:cNvPr>
+            <p:cNvSpPr/>
+            <p:nvPr/>
+          </p:nvSpPr>
+          <p:spPr>
+            <a:xfrm>
+              <a:off x="4048659" y="3775932"/>
+              <a:ext cx="171521" cy="184666"/>
+            </a:xfrm>
+            <a:prstGeom prst="rect">
+              <a:avLst/>
+            </a:prstGeom>
+            <a:noFill/>
+            <a:ln w="19050">
+              <a:noFill/>
+            </a:ln>
+          </p:spPr>
+          <p:style>
+            <a:lnRef idx="2">
+              <a:schemeClr val="accent1">
+                <a:shade val="50000"/>
+              </a:schemeClr>
+            </a:lnRef>
+            <a:fillRef idx="1">
+              <a:schemeClr val="accent1"/>
+            </a:fillRef>
+            <a:effectRef idx="0">
+              <a:schemeClr val="accent1"/>
+            </a:effectRef>
+            <a:fontRef idx="minor">
+              <a:schemeClr val="lt1"/>
+            </a:fontRef>
+          </p:style>
+          <p:txBody>
+            <a:bodyPr wrap="none" lIns="0" tIns="0" rIns="0" bIns="0" rtlCol="0" anchor="ctr">
+              <a:spAutoFit/>
+            </a:bodyPr>
+            <a:lstStyle/>
+            <a:p>
+              <a:pPr algn="ctr"/>
+              <a:r>
+                <a:rPr lang="da-DK" sz="1200" b="1" dirty="0">
+                  <a:latin typeface="Tecnico" panose="02000503000000000000" pitchFamily="2" charset="0"/>
+                </a:rPr>
+                <a:t>A2</a:t>
+              </a:r>
+            </a:p>
+          </p:txBody>
+        </p:sp>
+      </p:grpSp>
+      <p:grpSp>
+        <p:nvGrpSpPr>
+          <p:cNvPr id="55" name="Group 54">
+            <a:extLst>
+              <a:ext uri="{FF2B5EF4-FFF2-40B4-BE49-F238E27FC236}">
+                <a16:creationId xmlns:a16="http://schemas.microsoft.com/office/drawing/2014/main" id="{46F22BA5-9F03-B0C6-DF89-6420376118FF}"/>
+              </a:ext>
+            </a:extLst>
+          </p:cNvPr>
+          <p:cNvGrpSpPr/>
+          <p:nvPr/>
+        </p:nvGrpSpPr>
+        <p:grpSpPr>
+          <a:xfrm>
+            <a:off x="2657599" y="1057528"/>
+            <a:ext cx="444938" cy="297001"/>
+            <a:chOff x="3911497" y="3719765"/>
+            <a:chExt cx="444938" cy="297001"/>
+          </a:xfrm>
+        </p:grpSpPr>
+        <p:cxnSp>
+          <p:nvCxnSpPr>
+            <p:cNvPr id="56" name="Straight Connector 55">
+              <a:extLst>
+                <a:ext uri="{FF2B5EF4-FFF2-40B4-BE49-F238E27FC236}">
+                  <a16:creationId xmlns:a16="http://schemas.microsoft.com/office/drawing/2014/main" id="{12AC8F94-6AD7-CFA0-22C8-D3E022B24797}"/>
+                </a:ext>
+              </a:extLst>
+            </p:cNvPr>
+            <p:cNvCxnSpPr>
+              <a:cxnSpLocks/>
+            </p:cNvCxnSpPr>
+            <p:nvPr/>
+          </p:nvCxnSpPr>
+          <p:spPr>
+            <a:xfrm>
+              <a:off x="3911498" y="3719765"/>
+              <a:ext cx="0" cy="297000"/>
+            </a:xfrm>
+            <a:prstGeom prst="line">
+              <a:avLst/>
+            </a:prstGeom>
+            <a:ln w="19050" cap="rnd">
+              <a:solidFill>
+                <a:schemeClr val="bg1"/>
+              </a:solidFill>
+            </a:ln>
+          </p:spPr>
+          <p:style>
+            <a:lnRef idx="1">
+              <a:schemeClr val="accent1"/>
+            </a:lnRef>
+            <a:fillRef idx="0">
+              <a:schemeClr val="accent1"/>
+            </a:fillRef>
+            <a:effectRef idx="0">
+              <a:schemeClr val="accent1"/>
+            </a:effectRef>
+            <a:fontRef idx="minor">
+              <a:schemeClr val="tx1"/>
+            </a:fontRef>
+          </p:style>
+        </p:cxnSp>
+        <p:cxnSp>
+          <p:nvCxnSpPr>
+            <p:cNvPr id="57" name="Straight Connector 56">
+              <a:extLst>
+                <a:ext uri="{FF2B5EF4-FFF2-40B4-BE49-F238E27FC236}">
+                  <a16:creationId xmlns:a16="http://schemas.microsoft.com/office/drawing/2014/main" id="{0015AFF3-AC02-F457-A3D1-7A1DE89A5C46}"/>
+                </a:ext>
+              </a:extLst>
+            </p:cNvPr>
+            <p:cNvCxnSpPr>
+              <a:cxnSpLocks/>
+            </p:cNvCxnSpPr>
+            <p:nvPr/>
+          </p:nvCxnSpPr>
+          <p:spPr>
+            <a:xfrm>
+              <a:off x="4356435" y="3719765"/>
+              <a:ext cx="0" cy="297000"/>
+            </a:xfrm>
+            <a:prstGeom prst="line">
+              <a:avLst/>
+            </a:prstGeom>
+            <a:ln w="19050" cap="rnd">
+              <a:solidFill>
+                <a:schemeClr val="bg1"/>
+              </a:solidFill>
+            </a:ln>
+          </p:spPr>
+          <p:style>
+            <a:lnRef idx="1">
+              <a:schemeClr val="accent1"/>
+            </a:lnRef>
+            <a:fillRef idx="0">
+              <a:schemeClr val="accent1"/>
+            </a:fillRef>
+            <a:effectRef idx="0">
+              <a:schemeClr val="accent1"/>
+            </a:effectRef>
+            <a:fontRef idx="minor">
+              <a:schemeClr val="tx1"/>
+            </a:fontRef>
+          </p:style>
+        </p:cxnSp>
+        <p:cxnSp>
+          <p:nvCxnSpPr>
+            <p:cNvPr id="58" name="Straight Connector 57">
+              <a:extLst>
+                <a:ext uri="{FF2B5EF4-FFF2-40B4-BE49-F238E27FC236}">
+                  <a16:creationId xmlns:a16="http://schemas.microsoft.com/office/drawing/2014/main" id="{E9935A8E-E5CC-0445-AE76-4BB8B6F38FBC}"/>
+                </a:ext>
+              </a:extLst>
+            </p:cNvPr>
+            <p:cNvCxnSpPr>
+              <a:cxnSpLocks/>
+            </p:cNvCxnSpPr>
+            <p:nvPr/>
+          </p:nvCxnSpPr>
+          <p:spPr>
+            <a:xfrm rot="5400000">
+              <a:off x="3945186" y="3686077"/>
+              <a:ext cx="0" cy="67377"/>
+            </a:xfrm>
+            <a:prstGeom prst="line">
+              <a:avLst/>
+            </a:prstGeom>
+            <a:ln w="19050" cap="rnd">
+              <a:solidFill>
+                <a:schemeClr val="bg1"/>
+              </a:solidFill>
+            </a:ln>
+          </p:spPr>
+          <p:style>
+            <a:lnRef idx="1">
+              <a:schemeClr val="accent1"/>
+            </a:lnRef>
+            <a:fillRef idx="0">
+              <a:schemeClr val="accent1"/>
+            </a:fillRef>
+            <a:effectRef idx="0">
+              <a:schemeClr val="accent1"/>
+            </a:effectRef>
+            <a:fontRef idx="minor">
+              <a:schemeClr val="tx1"/>
+            </a:fontRef>
+          </p:style>
+        </p:cxnSp>
+        <p:cxnSp>
+          <p:nvCxnSpPr>
+            <p:cNvPr id="59" name="Straight Connector 58">
+              <a:extLst>
+                <a:ext uri="{FF2B5EF4-FFF2-40B4-BE49-F238E27FC236}">
+                  <a16:creationId xmlns:a16="http://schemas.microsoft.com/office/drawing/2014/main" id="{74B318D7-B3DE-00E1-A092-3AE44AAE6228}"/>
+                </a:ext>
+              </a:extLst>
+            </p:cNvPr>
+            <p:cNvCxnSpPr>
+              <a:cxnSpLocks/>
+            </p:cNvCxnSpPr>
+            <p:nvPr/>
+          </p:nvCxnSpPr>
+          <p:spPr>
+            <a:xfrm rot="5400000">
+              <a:off x="3945186" y="3983077"/>
+              <a:ext cx="0" cy="67377"/>
+            </a:xfrm>
+            <a:prstGeom prst="line">
+              <a:avLst/>
+            </a:prstGeom>
+            <a:ln w="19050" cap="rnd">
+              <a:solidFill>
+                <a:schemeClr val="bg1"/>
+              </a:solidFill>
+            </a:ln>
+          </p:spPr>
+          <p:style>
+            <a:lnRef idx="1">
+              <a:schemeClr val="accent1"/>
+            </a:lnRef>
+            <a:fillRef idx="0">
+              <a:schemeClr val="accent1"/>
+            </a:fillRef>
+            <a:effectRef idx="0">
+              <a:schemeClr val="accent1"/>
+            </a:effectRef>
+            <a:fontRef idx="minor">
+              <a:schemeClr val="tx1"/>
+            </a:fontRef>
+          </p:style>
+        </p:cxnSp>
+        <p:cxnSp>
+          <p:nvCxnSpPr>
+            <p:cNvPr id="60" name="Straight Connector 59">
+              <a:extLst>
+                <a:ext uri="{FF2B5EF4-FFF2-40B4-BE49-F238E27FC236}">
+                  <a16:creationId xmlns:a16="http://schemas.microsoft.com/office/drawing/2014/main" id="{CDAAD66D-D004-DC85-39E0-D9309343FCAA}"/>
+                </a:ext>
+              </a:extLst>
+            </p:cNvPr>
+            <p:cNvCxnSpPr>
+              <a:cxnSpLocks/>
+            </p:cNvCxnSpPr>
+            <p:nvPr/>
+          </p:nvCxnSpPr>
+          <p:spPr>
+            <a:xfrm rot="5400000">
+              <a:off x="4322747" y="3686077"/>
+              <a:ext cx="0" cy="67377"/>
+            </a:xfrm>
+            <a:prstGeom prst="line">
+              <a:avLst/>
+            </a:prstGeom>
+            <a:ln w="19050" cap="rnd">
+              <a:solidFill>
+                <a:schemeClr val="bg1"/>
+              </a:solidFill>
+            </a:ln>
+          </p:spPr>
+          <p:style>
+            <a:lnRef idx="1">
+              <a:schemeClr val="accent1"/>
+            </a:lnRef>
+            <a:fillRef idx="0">
+              <a:schemeClr val="accent1"/>
+            </a:fillRef>
+            <a:effectRef idx="0">
+              <a:schemeClr val="accent1"/>
+            </a:effectRef>
+            <a:fontRef idx="minor">
+              <a:schemeClr val="tx1"/>
+            </a:fontRef>
+          </p:style>
+        </p:cxnSp>
+        <p:cxnSp>
+          <p:nvCxnSpPr>
+            <p:cNvPr id="61" name="Straight Connector 60">
+              <a:extLst>
+                <a:ext uri="{FF2B5EF4-FFF2-40B4-BE49-F238E27FC236}">
+                  <a16:creationId xmlns:a16="http://schemas.microsoft.com/office/drawing/2014/main" id="{3119AAAB-676C-8164-73F0-84A4D10EAB18}"/>
+                </a:ext>
+              </a:extLst>
+            </p:cNvPr>
+            <p:cNvCxnSpPr>
+              <a:cxnSpLocks/>
+            </p:cNvCxnSpPr>
+            <p:nvPr/>
+          </p:nvCxnSpPr>
+          <p:spPr>
+            <a:xfrm rot="5400000">
+              <a:off x="4322747" y="3983077"/>
+              <a:ext cx="0" cy="67377"/>
+            </a:xfrm>
+            <a:prstGeom prst="line">
+              <a:avLst/>
+            </a:prstGeom>
+            <a:ln w="19050" cap="rnd">
+              <a:solidFill>
+                <a:schemeClr val="bg1"/>
+              </a:solidFill>
+            </a:ln>
+          </p:spPr>
+          <p:style>
+            <a:lnRef idx="1">
+              <a:schemeClr val="accent1"/>
+            </a:lnRef>
+            <a:fillRef idx="0">
+              <a:schemeClr val="accent1"/>
+            </a:fillRef>
+            <a:effectRef idx="0">
+              <a:schemeClr val="accent1"/>
+            </a:effectRef>
+            <a:fontRef idx="minor">
+              <a:schemeClr val="tx1"/>
+            </a:fontRef>
+          </p:style>
+        </p:cxnSp>
+        <p:cxnSp>
+          <p:nvCxnSpPr>
+            <p:cNvPr id="62" name="Straight Connector 61">
+              <a:extLst>
+                <a:ext uri="{FF2B5EF4-FFF2-40B4-BE49-F238E27FC236}">
+                  <a16:creationId xmlns:a16="http://schemas.microsoft.com/office/drawing/2014/main" id="{075EF367-EE37-0CFF-9F3B-70878DAD0C25}"/>
+                </a:ext>
+              </a:extLst>
+            </p:cNvPr>
+            <p:cNvCxnSpPr>
+              <a:cxnSpLocks/>
+            </p:cNvCxnSpPr>
+            <p:nvPr/>
+          </p:nvCxnSpPr>
+          <p:spPr>
+            <a:xfrm rot="5400000">
+              <a:off x="4253795" y="3721415"/>
+              <a:ext cx="35640" cy="32341"/>
+            </a:xfrm>
+            <a:prstGeom prst="line">
+              <a:avLst/>
+            </a:prstGeom>
+            <a:ln w="19050" cap="rnd">
+              <a:solidFill>
+                <a:schemeClr val="bg1"/>
+              </a:solidFill>
+            </a:ln>
+          </p:spPr>
+          <p:style>
+            <a:lnRef idx="1">
+              <a:schemeClr val="accent1"/>
+            </a:lnRef>
+            <a:fillRef idx="0">
+              <a:schemeClr val="accent1"/>
+            </a:fillRef>
+            <a:effectRef idx="0">
+              <a:schemeClr val="accent1"/>
+            </a:effectRef>
+            <a:fontRef idx="minor">
+              <a:schemeClr val="tx1"/>
+            </a:fontRef>
+          </p:style>
+        </p:cxnSp>
+        <p:cxnSp>
+          <p:nvCxnSpPr>
+            <p:cNvPr id="63" name="Straight Connector 62">
+              <a:extLst>
+                <a:ext uri="{FF2B5EF4-FFF2-40B4-BE49-F238E27FC236}">
+                  <a16:creationId xmlns:a16="http://schemas.microsoft.com/office/drawing/2014/main" id="{D69E21B7-F96B-3ED0-29AE-278FBF74005A}"/>
+                </a:ext>
+              </a:extLst>
+            </p:cNvPr>
+            <p:cNvCxnSpPr>
+              <a:cxnSpLocks/>
+            </p:cNvCxnSpPr>
+            <p:nvPr/>
+          </p:nvCxnSpPr>
+          <p:spPr>
+            <a:xfrm rot="5400000">
+              <a:off x="3977225" y="3982775"/>
+              <a:ext cx="35640" cy="32341"/>
+            </a:xfrm>
+            <a:prstGeom prst="line">
+              <a:avLst/>
+            </a:prstGeom>
+            <a:ln w="19050" cap="rnd">
+              <a:solidFill>
+                <a:schemeClr val="bg1"/>
+              </a:solidFill>
+            </a:ln>
+          </p:spPr>
+          <p:style>
+            <a:lnRef idx="1">
+              <a:schemeClr val="accent1"/>
+            </a:lnRef>
+            <a:fillRef idx="0">
+              <a:schemeClr val="accent1"/>
+            </a:fillRef>
+            <a:effectRef idx="0">
+              <a:schemeClr val="accent1"/>
+            </a:effectRef>
+            <a:fontRef idx="minor">
+              <a:schemeClr val="tx1"/>
+            </a:fontRef>
+          </p:style>
+        </p:cxnSp>
+        <p:cxnSp>
+          <p:nvCxnSpPr>
+            <p:cNvPr id="64" name="Straight Connector 63">
+              <a:extLst>
+                <a:ext uri="{FF2B5EF4-FFF2-40B4-BE49-F238E27FC236}">
+                  <a16:creationId xmlns:a16="http://schemas.microsoft.com/office/drawing/2014/main" id="{EBFEA147-0724-8094-E718-450DFE512361}"/>
+                </a:ext>
+              </a:extLst>
+            </p:cNvPr>
+            <p:cNvCxnSpPr>
+              <a:cxnSpLocks/>
+            </p:cNvCxnSpPr>
+            <p:nvPr/>
+          </p:nvCxnSpPr>
+          <p:spPr>
+            <a:xfrm rot="10800000">
+              <a:off x="3978875" y="3719765"/>
+              <a:ext cx="32341" cy="35640"/>
+            </a:xfrm>
+            <a:prstGeom prst="line">
+              <a:avLst/>
+            </a:prstGeom>
+            <a:ln w="19050" cap="rnd">
+              <a:solidFill>
+                <a:schemeClr val="bg1"/>
+              </a:solidFill>
+            </a:ln>
+          </p:spPr>
+          <p:style>
+            <a:lnRef idx="1">
+              <a:schemeClr val="accent1"/>
+            </a:lnRef>
+            <a:fillRef idx="0">
+              <a:schemeClr val="accent1"/>
+            </a:fillRef>
+            <a:effectRef idx="0">
+              <a:schemeClr val="accent1"/>
+            </a:effectRef>
+            <a:fontRef idx="minor">
+              <a:schemeClr val="tx1"/>
+            </a:fontRef>
+          </p:style>
+        </p:cxnSp>
+        <p:cxnSp>
+          <p:nvCxnSpPr>
+            <p:cNvPr id="65" name="Straight Connector 64">
+              <a:extLst>
+                <a:ext uri="{FF2B5EF4-FFF2-40B4-BE49-F238E27FC236}">
+                  <a16:creationId xmlns:a16="http://schemas.microsoft.com/office/drawing/2014/main" id="{08FB71A6-A46B-1322-F3E1-C6AAA617BDCF}"/>
+                </a:ext>
+              </a:extLst>
+            </p:cNvPr>
+            <p:cNvCxnSpPr>
+              <a:cxnSpLocks/>
+            </p:cNvCxnSpPr>
+            <p:nvPr/>
+          </p:nvCxnSpPr>
+          <p:spPr>
+            <a:xfrm rot="10800000">
+              <a:off x="4255445" y="3981124"/>
+              <a:ext cx="32341" cy="35640"/>
+            </a:xfrm>
+            <a:prstGeom prst="line">
+              <a:avLst/>
+            </a:prstGeom>
+            <a:ln w="19050" cap="rnd">
+              <a:solidFill>
+                <a:schemeClr val="bg1"/>
+              </a:solidFill>
+            </a:ln>
+          </p:spPr>
+          <p:style>
+            <a:lnRef idx="1">
+              <a:schemeClr val="accent1"/>
+            </a:lnRef>
+            <a:fillRef idx="0">
+              <a:schemeClr val="accent1"/>
+            </a:fillRef>
+            <a:effectRef idx="0">
+              <a:schemeClr val="accent1"/>
+            </a:effectRef>
+            <a:fontRef idx="minor">
+              <a:schemeClr val="tx1"/>
+            </a:fontRef>
+          </p:style>
+        </p:cxnSp>
+        <p:cxnSp>
+          <p:nvCxnSpPr>
+            <p:cNvPr id="66" name="Straight Connector 65">
+              <a:extLst>
+                <a:ext uri="{FF2B5EF4-FFF2-40B4-BE49-F238E27FC236}">
+                  <a16:creationId xmlns:a16="http://schemas.microsoft.com/office/drawing/2014/main" id="{E7CB5CD5-DAE8-9DBC-7A58-21F733BC94E1}"/>
+                </a:ext>
+              </a:extLst>
+            </p:cNvPr>
+            <p:cNvCxnSpPr>
+              <a:cxnSpLocks/>
+            </p:cNvCxnSpPr>
+            <p:nvPr/>
+          </p:nvCxnSpPr>
+          <p:spPr>
+            <a:xfrm flipH="1">
+              <a:off x="4012406" y="3756808"/>
+              <a:ext cx="243039" cy="0"/>
+            </a:xfrm>
+            <a:prstGeom prst="line">
+              <a:avLst/>
+            </a:prstGeom>
+            <a:ln w="19050" cap="rnd">
+              <a:solidFill>
+                <a:schemeClr val="bg1"/>
+              </a:solidFill>
+            </a:ln>
+          </p:spPr>
+          <p:style>
+            <a:lnRef idx="1">
+              <a:schemeClr val="accent1"/>
+            </a:lnRef>
+            <a:fillRef idx="0">
+              <a:schemeClr val="accent1"/>
+            </a:fillRef>
+            <a:effectRef idx="0">
+              <a:schemeClr val="accent1"/>
+            </a:effectRef>
+            <a:fontRef idx="minor">
+              <a:schemeClr val="tx1"/>
+            </a:fontRef>
+          </p:style>
+        </p:cxnSp>
+        <p:cxnSp>
+          <p:nvCxnSpPr>
+            <p:cNvPr id="67" name="Straight Connector 66">
+              <a:extLst>
+                <a:ext uri="{FF2B5EF4-FFF2-40B4-BE49-F238E27FC236}">
+                  <a16:creationId xmlns:a16="http://schemas.microsoft.com/office/drawing/2014/main" id="{AE34FE7C-57E2-E0F4-C0FE-DD5BD28946BE}"/>
+                </a:ext>
+              </a:extLst>
+            </p:cNvPr>
+            <p:cNvCxnSpPr>
+              <a:cxnSpLocks/>
+            </p:cNvCxnSpPr>
+            <p:nvPr/>
+          </p:nvCxnSpPr>
+          <p:spPr>
+            <a:xfrm flipH="1">
+              <a:off x="4011216" y="3981124"/>
+              <a:ext cx="252000" cy="0"/>
+            </a:xfrm>
+            <a:prstGeom prst="line">
+              <a:avLst/>
+            </a:prstGeom>
+            <a:ln w="19050" cap="rnd">
+              <a:solidFill>
+                <a:schemeClr val="bg1"/>
+              </a:solidFill>
+            </a:ln>
+          </p:spPr>
+          <p:style>
+            <a:lnRef idx="1">
+              <a:schemeClr val="accent1"/>
+            </a:lnRef>
+            <a:fillRef idx="0">
+              <a:schemeClr val="accent1"/>
+            </a:fillRef>
+            <a:effectRef idx="0">
+              <a:schemeClr val="accent1"/>
+            </a:effectRef>
+            <a:fontRef idx="minor">
+              <a:schemeClr val="tx1"/>
+            </a:fontRef>
+          </p:style>
+        </p:cxnSp>
+        <p:sp>
+          <p:nvSpPr>
+            <p:cNvPr id="68" name="Rectangle 67">
+              <a:extLst>
+                <a:ext uri="{FF2B5EF4-FFF2-40B4-BE49-F238E27FC236}">
+                  <a16:creationId xmlns:a16="http://schemas.microsoft.com/office/drawing/2014/main" id="{1FAEFC28-4039-2C55-FBEE-07D85CA08E5F}"/>
+                </a:ext>
+              </a:extLst>
+            </p:cNvPr>
+            <p:cNvSpPr/>
+            <p:nvPr/>
+          </p:nvSpPr>
+          <p:spPr>
+            <a:xfrm>
+              <a:off x="4048659" y="3775932"/>
+              <a:ext cx="171521" cy="184666"/>
+            </a:xfrm>
+            <a:prstGeom prst="rect">
+              <a:avLst/>
+            </a:prstGeom>
+            <a:noFill/>
+            <a:ln w="19050">
+              <a:noFill/>
+            </a:ln>
+          </p:spPr>
+          <p:style>
+            <a:lnRef idx="2">
+              <a:schemeClr val="accent1">
+                <a:shade val="50000"/>
+              </a:schemeClr>
+            </a:lnRef>
+            <a:fillRef idx="1">
+              <a:schemeClr val="accent1"/>
+            </a:fillRef>
+            <a:effectRef idx="0">
+              <a:schemeClr val="accent1"/>
+            </a:effectRef>
+            <a:fontRef idx="minor">
+              <a:schemeClr val="lt1"/>
+            </a:fontRef>
+          </p:style>
+          <p:txBody>
+            <a:bodyPr wrap="none" lIns="0" tIns="0" rIns="0" bIns="0" rtlCol="0" anchor="ctr">
+              <a:spAutoFit/>
+            </a:bodyPr>
+            <a:lstStyle/>
+            <a:p>
+              <a:pPr algn="ctr"/>
+              <a:r>
+                <a:rPr lang="da-DK" sz="1200" b="1" dirty="0">
+                  <a:latin typeface="Tecnico" panose="02000503000000000000" pitchFamily="2" charset="0"/>
+                </a:rPr>
+                <a:t>A3</a:t>
+              </a:r>
+            </a:p>
+          </p:txBody>
+        </p:sp>
+      </p:grpSp>
+      <p:grpSp>
+        <p:nvGrpSpPr>
+          <p:cNvPr id="69" name="Group 68">
+            <a:extLst>
+              <a:ext uri="{FF2B5EF4-FFF2-40B4-BE49-F238E27FC236}">
+                <a16:creationId xmlns:a16="http://schemas.microsoft.com/office/drawing/2014/main" id="{B0874A74-115F-EB2A-AF04-CD519F1D70DC}"/>
+              </a:ext>
+            </a:extLst>
+          </p:cNvPr>
+          <p:cNvGrpSpPr/>
+          <p:nvPr/>
+        </p:nvGrpSpPr>
+        <p:grpSpPr>
+          <a:xfrm>
+            <a:off x="3618944" y="1057528"/>
+            <a:ext cx="444938" cy="297001"/>
+            <a:chOff x="3911497" y="3719765"/>
+            <a:chExt cx="444938" cy="297001"/>
+          </a:xfrm>
+        </p:grpSpPr>
+        <p:cxnSp>
+          <p:nvCxnSpPr>
+            <p:cNvPr id="70" name="Straight Connector 69">
+              <a:extLst>
+                <a:ext uri="{FF2B5EF4-FFF2-40B4-BE49-F238E27FC236}">
+                  <a16:creationId xmlns:a16="http://schemas.microsoft.com/office/drawing/2014/main" id="{CE37CB90-A960-593B-FB7A-FD6D6A04FFF8}"/>
+                </a:ext>
+              </a:extLst>
+            </p:cNvPr>
+            <p:cNvCxnSpPr>
+              <a:cxnSpLocks/>
+            </p:cNvCxnSpPr>
+            <p:nvPr/>
+          </p:nvCxnSpPr>
+          <p:spPr>
+            <a:xfrm>
+              <a:off x="3911498" y="3719765"/>
+              <a:ext cx="0" cy="297000"/>
+            </a:xfrm>
+            <a:prstGeom prst="line">
+              <a:avLst/>
+            </a:prstGeom>
+            <a:ln w="19050" cap="rnd">
+              <a:solidFill>
+                <a:schemeClr val="bg1"/>
+              </a:solidFill>
+            </a:ln>
+          </p:spPr>
+          <p:style>
+            <a:lnRef idx="1">
+              <a:schemeClr val="accent1"/>
+            </a:lnRef>
+            <a:fillRef idx="0">
+              <a:schemeClr val="accent1"/>
+            </a:fillRef>
+            <a:effectRef idx="0">
+              <a:schemeClr val="accent1"/>
+            </a:effectRef>
+            <a:fontRef idx="minor">
+              <a:schemeClr val="tx1"/>
+            </a:fontRef>
+          </p:style>
+        </p:cxnSp>
+        <p:cxnSp>
+          <p:nvCxnSpPr>
+            <p:cNvPr id="71" name="Straight Connector 70">
+              <a:extLst>
+                <a:ext uri="{FF2B5EF4-FFF2-40B4-BE49-F238E27FC236}">
+                  <a16:creationId xmlns:a16="http://schemas.microsoft.com/office/drawing/2014/main" id="{E884EDF3-1DBA-1C5E-0F98-04B4EDAD2DF8}"/>
+                </a:ext>
+              </a:extLst>
+            </p:cNvPr>
+            <p:cNvCxnSpPr>
+              <a:cxnSpLocks/>
+            </p:cNvCxnSpPr>
+            <p:nvPr/>
+          </p:nvCxnSpPr>
+          <p:spPr>
+            <a:xfrm>
+              <a:off x="4356435" y="3719765"/>
+              <a:ext cx="0" cy="297000"/>
+            </a:xfrm>
+            <a:prstGeom prst="line">
+              <a:avLst/>
+            </a:prstGeom>
+            <a:ln w="19050" cap="rnd">
+              <a:solidFill>
+                <a:schemeClr val="bg1"/>
+              </a:solidFill>
+            </a:ln>
+          </p:spPr>
+          <p:style>
+            <a:lnRef idx="1">
+              <a:schemeClr val="accent1"/>
+            </a:lnRef>
+            <a:fillRef idx="0">
+              <a:schemeClr val="accent1"/>
+            </a:fillRef>
+            <a:effectRef idx="0">
+              <a:schemeClr val="accent1"/>
+            </a:effectRef>
+            <a:fontRef idx="minor">
+              <a:schemeClr val="tx1"/>
+            </a:fontRef>
+          </p:style>
+        </p:cxnSp>
+        <p:cxnSp>
+          <p:nvCxnSpPr>
+            <p:cNvPr id="72" name="Straight Connector 71">
+              <a:extLst>
+                <a:ext uri="{FF2B5EF4-FFF2-40B4-BE49-F238E27FC236}">
+                  <a16:creationId xmlns:a16="http://schemas.microsoft.com/office/drawing/2014/main" id="{7C0E44BB-72DC-8F0D-1592-CEA88D89B4A0}"/>
+                </a:ext>
+              </a:extLst>
+            </p:cNvPr>
+            <p:cNvCxnSpPr>
+              <a:cxnSpLocks/>
+            </p:cNvCxnSpPr>
+            <p:nvPr/>
+          </p:nvCxnSpPr>
+          <p:spPr>
+            <a:xfrm rot="5400000">
+              <a:off x="3945186" y="3686077"/>
+              <a:ext cx="0" cy="67377"/>
+            </a:xfrm>
+            <a:prstGeom prst="line">
+              <a:avLst/>
+            </a:prstGeom>
+            <a:ln w="19050" cap="rnd">
+              <a:solidFill>
+                <a:schemeClr val="bg1"/>
+              </a:solidFill>
+            </a:ln>
+          </p:spPr>
+          <p:style>
+            <a:lnRef idx="1">
+              <a:schemeClr val="accent1"/>
+            </a:lnRef>
+            <a:fillRef idx="0">
+              <a:schemeClr val="accent1"/>
+            </a:fillRef>
+            <a:effectRef idx="0">
+              <a:schemeClr val="accent1"/>
+            </a:effectRef>
+            <a:fontRef idx="minor">
+              <a:schemeClr val="tx1"/>
+            </a:fontRef>
+          </p:style>
+        </p:cxnSp>
+        <p:cxnSp>
+          <p:nvCxnSpPr>
+            <p:cNvPr id="73" name="Straight Connector 72">
+              <a:extLst>
+                <a:ext uri="{FF2B5EF4-FFF2-40B4-BE49-F238E27FC236}">
+                  <a16:creationId xmlns:a16="http://schemas.microsoft.com/office/drawing/2014/main" id="{173D3464-2551-3B41-FA24-8371F86EA692}"/>
+                </a:ext>
+              </a:extLst>
+            </p:cNvPr>
+            <p:cNvCxnSpPr>
+              <a:cxnSpLocks/>
+            </p:cNvCxnSpPr>
+            <p:nvPr/>
+          </p:nvCxnSpPr>
+          <p:spPr>
+            <a:xfrm rot="5400000">
+              <a:off x="3945186" y="3983077"/>
+              <a:ext cx="0" cy="67377"/>
+            </a:xfrm>
+            <a:prstGeom prst="line">
+              <a:avLst/>
+            </a:prstGeom>
+            <a:ln w="19050" cap="rnd">
+              <a:solidFill>
+                <a:schemeClr val="bg1"/>
+              </a:solidFill>
+            </a:ln>
+          </p:spPr>
+          <p:style>
+            <a:lnRef idx="1">
+              <a:schemeClr val="accent1"/>
+            </a:lnRef>
+            <a:fillRef idx="0">
+              <a:schemeClr val="accent1"/>
+            </a:fillRef>
+            <a:effectRef idx="0">
+              <a:schemeClr val="accent1"/>
+            </a:effectRef>
+            <a:fontRef idx="minor">
+              <a:schemeClr val="tx1"/>
+            </a:fontRef>
+          </p:style>
+        </p:cxnSp>
+        <p:cxnSp>
+          <p:nvCxnSpPr>
+            <p:cNvPr id="74" name="Straight Connector 73">
+              <a:extLst>
+                <a:ext uri="{FF2B5EF4-FFF2-40B4-BE49-F238E27FC236}">
+                  <a16:creationId xmlns:a16="http://schemas.microsoft.com/office/drawing/2014/main" id="{1AC2409B-9C28-7271-CF9F-C0E0D5BE4033}"/>
+                </a:ext>
+              </a:extLst>
+            </p:cNvPr>
+            <p:cNvCxnSpPr>
+              <a:cxnSpLocks/>
+            </p:cNvCxnSpPr>
+            <p:nvPr/>
+          </p:nvCxnSpPr>
+          <p:spPr>
+            <a:xfrm rot="5400000">
+              <a:off x="4322747" y="3686077"/>
+              <a:ext cx="0" cy="67377"/>
+            </a:xfrm>
+            <a:prstGeom prst="line">
+              <a:avLst/>
+            </a:prstGeom>
+            <a:ln w="19050" cap="rnd">
+              <a:solidFill>
+                <a:schemeClr val="bg1"/>
+              </a:solidFill>
+            </a:ln>
+          </p:spPr>
+          <p:style>
+            <a:lnRef idx="1">
+              <a:schemeClr val="accent1"/>
+            </a:lnRef>
+            <a:fillRef idx="0">
+              <a:schemeClr val="accent1"/>
+            </a:fillRef>
+            <a:effectRef idx="0">
+              <a:schemeClr val="accent1"/>
+            </a:effectRef>
+            <a:fontRef idx="minor">
+              <a:schemeClr val="tx1"/>
+            </a:fontRef>
+          </p:style>
+        </p:cxnSp>
+        <p:cxnSp>
+          <p:nvCxnSpPr>
+            <p:cNvPr id="75" name="Straight Connector 74">
+              <a:extLst>
+                <a:ext uri="{FF2B5EF4-FFF2-40B4-BE49-F238E27FC236}">
+                  <a16:creationId xmlns:a16="http://schemas.microsoft.com/office/drawing/2014/main" id="{0F467FBA-371B-5A5D-DE3F-1691B4B1D77F}"/>
+                </a:ext>
+              </a:extLst>
+            </p:cNvPr>
+            <p:cNvCxnSpPr>
+              <a:cxnSpLocks/>
+            </p:cNvCxnSpPr>
+            <p:nvPr/>
+          </p:nvCxnSpPr>
+          <p:spPr>
+            <a:xfrm rot="5400000">
+              <a:off x="4322747" y="3983077"/>
+              <a:ext cx="0" cy="67377"/>
+            </a:xfrm>
+            <a:prstGeom prst="line">
+              <a:avLst/>
+            </a:prstGeom>
+            <a:ln w="19050" cap="rnd">
+              <a:solidFill>
+                <a:schemeClr val="bg1"/>
+              </a:solidFill>
+            </a:ln>
+          </p:spPr>
+          <p:style>
+            <a:lnRef idx="1">
+              <a:schemeClr val="accent1"/>
+            </a:lnRef>
+            <a:fillRef idx="0">
+              <a:schemeClr val="accent1"/>
+            </a:fillRef>
+            <a:effectRef idx="0">
+              <a:schemeClr val="accent1"/>
+            </a:effectRef>
+            <a:fontRef idx="minor">
+              <a:schemeClr val="tx1"/>
+            </a:fontRef>
+          </p:style>
+        </p:cxnSp>
+        <p:cxnSp>
+          <p:nvCxnSpPr>
+            <p:cNvPr id="76" name="Straight Connector 75">
+              <a:extLst>
+                <a:ext uri="{FF2B5EF4-FFF2-40B4-BE49-F238E27FC236}">
+                  <a16:creationId xmlns:a16="http://schemas.microsoft.com/office/drawing/2014/main" id="{BC29E4F1-F7C4-6CDD-F107-E2262F3ED290}"/>
+                </a:ext>
+              </a:extLst>
+            </p:cNvPr>
+            <p:cNvCxnSpPr>
+              <a:cxnSpLocks/>
+            </p:cNvCxnSpPr>
+            <p:nvPr/>
+          </p:nvCxnSpPr>
+          <p:spPr>
+            <a:xfrm rot="5400000">
+              <a:off x="4253795" y="3721415"/>
+              <a:ext cx="35640" cy="32341"/>
+            </a:xfrm>
+            <a:prstGeom prst="line">
+              <a:avLst/>
+            </a:prstGeom>
+            <a:ln w="19050" cap="rnd">
+              <a:solidFill>
+                <a:schemeClr val="bg1"/>
+              </a:solidFill>
+            </a:ln>
+          </p:spPr>
+          <p:style>
+            <a:lnRef idx="1">
+              <a:schemeClr val="accent1"/>
+            </a:lnRef>
+            <a:fillRef idx="0">
+              <a:schemeClr val="accent1"/>
+            </a:fillRef>
+            <a:effectRef idx="0">
+              <a:schemeClr val="accent1"/>
+            </a:effectRef>
+            <a:fontRef idx="minor">
+              <a:schemeClr val="tx1"/>
+            </a:fontRef>
+          </p:style>
+        </p:cxnSp>
+        <p:cxnSp>
+          <p:nvCxnSpPr>
+            <p:cNvPr id="77" name="Straight Connector 76">
+              <a:extLst>
+                <a:ext uri="{FF2B5EF4-FFF2-40B4-BE49-F238E27FC236}">
+                  <a16:creationId xmlns:a16="http://schemas.microsoft.com/office/drawing/2014/main" id="{2C0896F4-5AF0-7D55-633D-F89C673E6542}"/>
+                </a:ext>
+              </a:extLst>
+            </p:cNvPr>
+            <p:cNvCxnSpPr>
+              <a:cxnSpLocks/>
+            </p:cNvCxnSpPr>
+            <p:nvPr/>
+          </p:nvCxnSpPr>
+          <p:spPr>
+            <a:xfrm rot="5400000">
+              <a:off x="3977225" y="3982775"/>
+              <a:ext cx="35640" cy="32341"/>
+            </a:xfrm>
+            <a:prstGeom prst="line">
+              <a:avLst/>
+            </a:prstGeom>
+            <a:ln w="19050" cap="rnd">
+              <a:solidFill>
+                <a:schemeClr val="bg1"/>
+              </a:solidFill>
+            </a:ln>
+          </p:spPr>
+          <p:style>
+            <a:lnRef idx="1">
+              <a:schemeClr val="accent1"/>
+            </a:lnRef>
+            <a:fillRef idx="0">
+              <a:schemeClr val="accent1"/>
+            </a:fillRef>
+            <a:effectRef idx="0">
+              <a:schemeClr val="accent1"/>
+            </a:effectRef>
+            <a:fontRef idx="minor">
+              <a:schemeClr val="tx1"/>
+            </a:fontRef>
+          </p:style>
+        </p:cxnSp>
+        <p:cxnSp>
+          <p:nvCxnSpPr>
+            <p:cNvPr id="78" name="Straight Connector 77">
+              <a:extLst>
+                <a:ext uri="{FF2B5EF4-FFF2-40B4-BE49-F238E27FC236}">
+                  <a16:creationId xmlns:a16="http://schemas.microsoft.com/office/drawing/2014/main" id="{3DA11B8A-EF00-361B-F628-DDE475556279}"/>
+                </a:ext>
+              </a:extLst>
+            </p:cNvPr>
+            <p:cNvCxnSpPr>
+              <a:cxnSpLocks/>
+            </p:cNvCxnSpPr>
+            <p:nvPr/>
+          </p:nvCxnSpPr>
+          <p:spPr>
+            <a:xfrm rot="10800000">
+              <a:off x="3978875" y="3719765"/>
+              <a:ext cx="32341" cy="35640"/>
+            </a:xfrm>
+            <a:prstGeom prst="line">
+              <a:avLst/>
+            </a:prstGeom>
+            <a:ln w="19050" cap="rnd">
+              <a:solidFill>
+                <a:schemeClr val="bg1"/>
+              </a:solidFill>
+            </a:ln>
+          </p:spPr>
+          <p:style>
+            <a:lnRef idx="1">
+              <a:schemeClr val="accent1"/>
+            </a:lnRef>
+            <a:fillRef idx="0">
+              <a:schemeClr val="accent1"/>
+            </a:fillRef>
+            <a:effectRef idx="0">
+              <a:schemeClr val="accent1"/>
+            </a:effectRef>
+            <a:fontRef idx="minor">
+              <a:schemeClr val="tx1"/>
+            </a:fontRef>
+          </p:style>
+        </p:cxnSp>
+        <p:cxnSp>
+          <p:nvCxnSpPr>
+            <p:cNvPr id="79" name="Straight Connector 78">
+              <a:extLst>
+                <a:ext uri="{FF2B5EF4-FFF2-40B4-BE49-F238E27FC236}">
+                  <a16:creationId xmlns:a16="http://schemas.microsoft.com/office/drawing/2014/main" id="{23D3B9C7-8847-2532-E58B-7BFC859AB887}"/>
+                </a:ext>
+              </a:extLst>
+            </p:cNvPr>
+            <p:cNvCxnSpPr>
+              <a:cxnSpLocks/>
+            </p:cNvCxnSpPr>
+            <p:nvPr/>
+          </p:nvCxnSpPr>
+          <p:spPr>
+            <a:xfrm rot="10800000">
+              <a:off x="4255445" y="3981124"/>
+              <a:ext cx="32341" cy="35640"/>
+            </a:xfrm>
+            <a:prstGeom prst="line">
+              <a:avLst/>
+            </a:prstGeom>
+            <a:ln w="19050" cap="rnd">
+              <a:solidFill>
+                <a:schemeClr val="bg1"/>
+              </a:solidFill>
+            </a:ln>
+          </p:spPr>
+          <p:style>
+            <a:lnRef idx="1">
+              <a:schemeClr val="accent1"/>
+            </a:lnRef>
+            <a:fillRef idx="0">
+              <a:schemeClr val="accent1"/>
+            </a:fillRef>
+            <a:effectRef idx="0">
+              <a:schemeClr val="accent1"/>
+            </a:effectRef>
+            <a:fontRef idx="minor">
+              <a:schemeClr val="tx1"/>
+            </a:fontRef>
+          </p:style>
+        </p:cxnSp>
+        <p:cxnSp>
+          <p:nvCxnSpPr>
+            <p:cNvPr id="80" name="Straight Connector 79">
+              <a:extLst>
+                <a:ext uri="{FF2B5EF4-FFF2-40B4-BE49-F238E27FC236}">
+                  <a16:creationId xmlns:a16="http://schemas.microsoft.com/office/drawing/2014/main" id="{BA7A5353-913F-D567-982E-A15FD657C64A}"/>
+                </a:ext>
+              </a:extLst>
+            </p:cNvPr>
+            <p:cNvCxnSpPr>
+              <a:cxnSpLocks/>
+            </p:cNvCxnSpPr>
+            <p:nvPr/>
+          </p:nvCxnSpPr>
+          <p:spPr>
+            <a:xfrm flipH="1">
+              <a:off x="4012406" y="3756808"/>
+              <a:ext cx="243039" cy="0"/>
+            </a:xfrm>
+            <a:prstGeom prst="line">
+              <a:avLst/>
+            </a:prstGeom>
+            <a:ln w="19050" cap="rnd">
+              <a:solidFill>
+                <a:schemeClr val="bg1"/>
+              </a:solidFill>
+            </a:ln>
+          </p:spPr>
+          <p:style>
+            <a:lnRef idx="1">
+              <a:schemeClr val="accent1"/>
+            </a:lnRef>
+            <a:fillRef idx="0">
+              <a:schemeClr val="accent1"/>
+            </a:fillRef>
+            <a:effectRef idx="0">
+              <a:schemeClr val="accent1"/>
+            </a:effectRef>
+            <a:fontRef idx="minor">
+              <a:schemeClr val="tx1"/>
+            </a:fontRef>
+          </p:style>
+        </p:cxnSp>
+        <p:cxnSp>
+          <p:nvCxnSpPr>
+            <p:cNvPr id="81" name="Straight Connector 80">
+              <a:extLst>
+                <a:ext uri="{FF2B5EF4-FFF2-40B4-BE49-F238E27FC236}">
+                  <a16:creationId xmlns:a16="http://schemas.microsoft.com/office/drawing/2014/main" id="{A163B84D-E983-4CD3-9C76-483E555CB990}"/>
+                </a:ext>
+              </a:extLst>
+            </p:cNvPr>
+            <p:cNvCxnSpPr>
+              <a:cxnSpLocks/>
+            </p:cNvCxnSpPr>
+            <p:nvPr/>
+          </p:nvCxnSpPr>
+          <p:spPr>
+            <a:xfrm flipH="1">
+              <a:off x="4011216" y="3981124"/>
+              <a:ext cx="252000" cy="0"/>
+            </a:xfrm>
+            <a:prstGeom prst="line">
+              <a:avLst/>
+            </a:prstGeom>
+            <a:ln w="19050" cap="rnd">
+              <a:solidFill>
+                <a:schemeClr val="bg1"/>
+              </a:solidFill>
+            </a:ln>
+          </p:spPr>
+          <p:style>
+            <a:lnRef idx="1">
+              <a:schemeClr val="accent1"/>
+            </a:lnRef>
+            <a:fillRef idx="0">
+              <a:schemeClr val="accent1"/>
+            </a:fillRef>
+            <a:effectRef idx="0">
+              <a:schemeClr val="accent1"/>
+            </a:effectRef>
+            <a:fontRef idx="minor">
+              <a:schemeClr val="tx1"/>
+            </a:fontRef>
+          </p:style>
+        </p:cxnSp>
+        <p:sp>
+          <p:nvSpPr>
+            <p:cNvPr id="82" name="Rectangle 81">
+              <a:extLst>
+                <a:ext uri="{FF2B5EF4-FFF2-40B4-BE49-F238E27FC236}">
+                  <a16:creationId xmlns:a16="http://schemas.microsoft.com/office/drawing/2014/main" id="{5AA8FFDA-4AB1-E2F7-D312-927EC10753F4}"/>
+                </a:ext>
+              </a:extLst>
+            </p:cNvPr>
+            <p:cNvSpPr/>
+            <p:nvPr/>
+          </p:nvSpPr>
+          <p:spPr>
+            <a:xfrm>
+              <a:off x="4048659" y="3775932"/>
+              <a:ext cx="171521" cy="184666"/>
+            </a:xfrm>
+            <a:prstGeom prst="rect">
+              <a:avLst/>
+            </a:prstGeom>
+            <a:noFill/>
+            <a:ln w="19050">
+              <a:noFill/>
+            </a:ln>
+          </p:spPr>
+          <p:style>
+            <a:lnRef idx="2">
+              <a:schemeClr val="accent1">
+                <a:shade val="50000"/>
+              </a:schemeClr>
+            </a:lnRef>
+            <a:fillRef idx="1">
+              <a:schemeClr val="accent1"/>
+            </a:fillRef>
+            <a:effectRef idx="0">
+              <a:schemeClr val="accent1"/>
+            </a:effectRef>
+            <a:fontRef idx="minor">
+              <a:schemeClr val="lt1"/>
+            </a:fontRef>
+          </p:style>
+          <p:txBody>
+            <a:bodyPr wrap="none" lIns="0" tIns="0" rIns="0" bIns="0" rtlCol="0" anchor="ctr">
+              <a:spAutoFit/>
+            </a:bodyPr>
+            <a:lstStyle/>
+            <a:p>
+              <a:pPr algn="ctr"/>
+              <a:r>
+                <a:rPr lang="da-DK" sz="1200" b="1" dirty="0">
+                  <a:latin typeface="Tecnico" panose="02000503000000000000" pitchFamily="2" charset="0"/>
+                </a:rPr>
+                <a:t>A4</a:t>
+              </a:r>
+            </a:p>
+          </p:txBody>
+        </p:sp>
+      </p:grpSp>
+      <p:grpSp>
+        <p:nvGrpSpPr>
+          <p:cNvPr id="83" name="Group 82">
+            <a:extLst>
+              <a:ext uri="{FF2B5EF4-FFF2-40B4-BE49-F238E27FC236}">
+                <a16:creationId xmlns:a16="http://schemas.microsoft.com/office/drawing/2014/main" id="{6F013492-E8D2-FCAA-A42A-DC2F5C5E2EF3}"/>
+              </a:ext>
+            </a:extLst>
+          </p:cNvPr>
+          <p:cNvGrpSpPr/>
+          <p:nvPr/>
+        </p:nvGrpSpPr>
+        <p:grpSpPr>
+          <a:xfrm>
+            <a:off x="4580289" y="1057528"/>
+            <a:ext cx="444938" cy="297001"/>
+            <a:chOff x="3911497" y="3719765"/>
+            <a:chExt cx="444938" cy="297001"/>
+          </a:xfrm>
+        </p:grpSpPr>
+        <p:cxnSp>
+          <p:nvCxnSpPr>
+            <p:cNvPr id="84" name="Straight Connector 83">
+              <a:extLst>
+                <a:ext uri="{FF2B5EF4-FFF2-40B4-BE49-F238E27FC236}">
+                  <a16:creationId xmlns:a16="http://schemas.microsoft.com/office/drawing/2014/main" id="{67C40B7E-4553-DD6C-3BB0-56BE3AD6138F}"/>
+                </a:ext>
+              </a:extLst>
+            </p:cNvPr>
+            <p:cNvCxnSpPr>
+              <a:cxnSpLocks/>
+            </p:cNvCxnSpPr>
+            <p:nvPr/>
+          </p:nvCxnSpPr>
+          <p:spPr>
+            <a:xfrm>
+              <a:off x="3911498" y="3719765"/>
+              <a:ext cx="0" cy="297000"/>
+            </a:xfrm>
+            <a:prstGeom prst="line">
+              <a:avLst/>
+            </a:prstGeom>
+            <a:ln w="19050" cap="rnd">
+              <a:solidFill>
+                <a:schemeClr val="bg1"/>
+              </a:solidFill>
+            </a:ln>
+          </p:spPr>
+          <p:style>
+            <a:lnRef idx="1">
+              <a:schemeClr val="accent1"/>
+            </a:lnRef>
+            <a:fillRef idx="0">
+              <a:schemeClr val="accent1"/>
+            </a:fillRef>
+            <a:effectRef idx="0">
+              <a:schemeClr val="accent1"/>
+            </a:effectRef>
+            <a:fontRef idx="minor">
+              <a:schemeClr val="tx1"/>
+            </a:fontRef>
+          </p:style>
+        </p:cxnSp>
+        <p:cxnSp>
+          <p:nvCxnSpPr>
+            <p:cNvPr id="85" name="Straight Connector 84">
+              <a:extLst>
+                <a:ext uri="{FF2B5EF4-FFF2-40B4-BE49-F238E27FC236}">
+                  <a16:creationId xmlns:a16="http://schemas.microsoft.com/office/drawing/2014/main" id="{B4394D04-03E7-0565-4F82-9A3B80DA4396}"/>
+                </a:ext>
+              </a:extLst>
+            </p:cNvPr>
+            <p:cNvCxnSpPr>
+              <a:cxnSpLocks/>
+            </p:cNvCxnSpPr>
+            <p:nvPr/>
+          </p:nvCxnSpPr>
+          <p:spPr>
+            <a:xfrm>
+              <a:off x="4356435" y="3719765"/>
+              <a:ext cx="0" cy="297000"/>
+            </a:xfrm>
+            <a:prstGeom prst="line">
+              <a:avLst/>
+            </a:prstGeom>
+            <a:ln w="19050" cap="rnd">
+              <a:solidFill>
+                <a:schemeClr val="bg1"/>
+              </a:solidFill>
+            </a:ln>
+          </p:spPr>
+          <p:style>
+            <a:lnRef idx="1">
+              <a:schemeClr val="accent1"/>
+            </a:lnRef>
+            <a:fillRef idx="0">
+              <a:schemeClr val="accent1"/>
+            </a:fillRef>
+            <a:effectRef idx="0">
+              <a:schemeClr val="accent1"/>
+            </a:effectRef>
+            <a:fontRef idx="minor">
+              <a:schemeClr val="tx1"/>
+            </a:fontRef>
+          </p:style>
+        </p:cxnSp>
+        <p:cxnSp>
+          <p:nvCxnSpPr>
+            <p:cNvPr id="86" name="Straight Connector 85">
+              <a:extLst>
+                <a:ext uri="{FF2B5EF4-FFF2-40B4-BE49-F238E27FC236}">
+                  <a16:creationId xmlns:a16="http://schemas.microsoft.com/office/drawing/2014/main" id="{62B0B70B-12D3-3B02-F221-3E2890217157}"/>
+                </a:ext>
+              </a:extLst>
+            </p:cNvPr>
+            <p:cNvCxnSpPr>
+              <a:cxnSpLocks/>
+            </p:cNvCxnSpPr>
+            <p:nvPr/>
+          </p:nvCxnSpPr>
+          <p:spPr>
+            <a:xfrm rot="5400000">
+              <a:off x="3945186" y="3686077"/>
+              <a:ext cx="0" cy="67377"/>
+            </a:xfrm>
+            <a:prstGeom prst="line">
+              <a:avLst/>
+            </a:prstGeom>
+            <a:ln w="19050" cap="rnd">
+              <a:solidFill>
+                <a:schemeClr val="bg1"/>
+              </a:solidFill>
+            </a:ln>
+          </p:spPr>
+          <p:style>
+            <a:lnRef idx="1">
+              <a:schemeClr val="accent1"/>
+            </a:lnRef>
+            <a:fillRef idx="0">
+              <a:schemeClr val="accent1"/>
+            </a:fillRef>
+            <a:effectRef idx="0">
+              <a:schemeClr val="accent1"/>
+            </a:effectRef>
+            <a:fontRef idx="minor">
+              <a:schemeClr val="tx1"/>
+            </a:fontRef>
+          </p:style>
+        </p:cxnSp>
+        <p:cxnSp>
+          <p:nvCxnSpPr>
+            <p:cNvPr id="87" name="Straight Connector 86">
+              <a:extLst>
+                <a:ext uri="{FF2B5EF4-FFF2-40B4-BE49-F238E27FC236}">
+                  <a16:creationId xmlns:a16="http://schemas.microsoft.com/office/drawing/2014/main" id="{3A1E9411-909A-DF35-D140-0B55D8E1A254}"/>
+                </a:ext>
+              </a:extLst>
+            </p:cNvPr>
+            <p:cNvCxnSpPr>
+              <a:cxnSpLocks/>
+            </p:cNvCxnSpPr>
+            <p:nvPr/>
+          </p:nvCxnSpPr>
+          <p:spPr>
+            <a:xfrm rot="5400000">
+              <a:off x="3945186" y="3983077"/>
+              <a:ext cx="0" cy="67377"/>
+            </a:xfrm>
+            <a:prstGeom prst="line">
+              <a:avLst/>
+            </a:prstGeom>
+            <a:ln w="19050" cap="rnd">
+              <a:solidFill>
+                <a:schemeClr val="bg1"/>
+              </a:solidFill>
+            </a:ln>
+          </p:spPr>
+          <p:style>
+            <a:lnRef idx="1">
+              <a:schemeClr val="accent1"/>
+            </a:lnRef>
+            <a:fillRef idx="0">
+              <a:schemeClr val="accent1"/>
+            </a:fillRef>
+            <a:effectRef idx="0">
+              <a:schemeClr val="accent1"/>
+            </a:effectRef>
+            <a:fontRef idx="minor">
+              <a:schemeClr val="tx1"/>
+            </a:fontRef>
+          </p:style>
+        </p:cxnSp>
+        <p:cxnSp>
+          <p:nvCxnSpPr>
+            <p:cNvPr id="88" name="Straight Connector 87">
+              <a:extLst>
+                <a:ext uri="{FF2B5EF4-FFF2-40B4-BE49-F238E27FC236}">
+                  <a16:creationId xmlns:a16="http://schemas.microsoft.com/office/drawing/2014/main" id="{8A500A48-985B-12B4-EF93-CDF81C3DDF4D}"/>
+                </a:ext>
+              </a:extLst>
+            </p:cNvPr>
+            <p:cNvCxnSpPr>
+              <a:cxnSpLocks/>
+            </p:cNvCxnSpPr>
+            <p:nvPr/>
+          </p:nvCxnSpPr>
+          <p:spPr>
+            <a:xfrm rot="5400000">
+              <a:off x="4322747" y="3686077"/>
+              <a:ext cx="0" cy="67377"/>
+            </a:xfrm>
+            <a:prstGeom prst="line">
+              <a:avLst/>
+            </a:prstGeom>
+            <a:ln w="19050" cap="rnd">
+              <a:solidFill>
+                <a:schemeClr val="bg1"/>
+              </a:solidFill>
+            </a:ln>
+          </p:spPr>
+          <p:style>
+            <a:lnRef idx="1">
+              <a:schemeClr val="accent1"/>
+            </a:lnRef>
+            <a:fillRef idx="0">
+              <a:schemeClr val="accent1"/>
+            </a:fillRef>
+            <a:effectRef idx="0">
+              <a:schemeClr val="accent1"/>
+            </a:effectRef>
+            <a:fontRef idx="minor">
+              <a:schemeClr val="tx1"/>
+            </a:fontRef>
+          </p:style>
+        </p:cxnSp>
+        <p:cxnSp>
+          <p:nvCxnSpPr>
+            <p:cNvPr id="89" name="Straight Connector 88">
+              <a:extLst>
+                <a:ext uri="{FF2B5EF4-FFF2-40B4-BE49-F238E27FC236}">
+                  <a16:creationId xmlns:a16="http://schemas.microsoft.com/office/drawing/2014/main" id="{811B45F3-D8FD-47E4-33B8-9A54B4887D36}"/>
+                </a:ext>
+              </a:extLst>
+            </p:cNvPr>
+            <p:cNvCxnSpPr>
+              <a:cxnSpLocks/>
+            </p:cNvCxnSpPr>
+            <p:nvPr/>
+          </p:nvCxnSpPr>
+          <p:spPr>
+            <a:xfrm rot="5400000">
+              <a:off x="4322747" y="3983077"/>
+              <a:ext cx="0" cy="67377"/>
+            </a:xfrm>
+            <a:prstGeom prst="line">
+              <a:avLst/>
+            </a:prstGeom>
+            <a:ln w="19050" cap="rnd">
+              <a:solidFill>
+                <a:schemeClr val="bg1"/>
+              </a:solidFill>
+            </a:ln>
+          </p:spPr>
+          <p:style>
+            <a:lnRef idx="1">
+              <a:schemeClr val="accent1"/>
+            </a:lnRef>
+            <a:fillRef idx="0">
+              <a:schemeClr val="accent1"/>
+            </a:fillRef>
+            <a:effectRef idx="0">
+              <a:schemeClr val="accent1"/>
+            </a:effectRef>
+            <a:fontRef idx="minor">
+              <a:schemeClr val="tx1"/>
+            </a:fontRef>
+          </p:style>
+        </p:cxnSp>
+        <p:cxnSp>
+          <p:nvCxnSpPr>
+            <p:cNvPr id="90" name="Straight Connector 89">
+              <a:extLst>
+                <a:ext uri="{FF2B5EF4-FFF2-40B4-BE49-F238E27FC236}">
+                  <a16:creationId xmlns:a16="http://schemas.microsoft.com/office/drawing/2014/main" id="{BD7E31B3-68C9-CDCC-1870-4C75A6D86E3B}"/>
+                </a:ext>
+              </a:extLst>
+            </p:cNvPr>
+            <p:cNvCxnSpPr>
+              <a:cxnSpLocks/>
+            </p:cNvCxnSpPr>
+            <p:nvPr/>
+          </p:nvCxnSpPr>
+          <p:spPr>
+            <a:xfrm rot="5400000">
+              <a:off x="4253795" y="3721415"/>
+              <a:ext cx="35640" cy="32341"/>
+            </a:xfrm>
+            <a:prstGeom prst="line">
+              <a:avLst/>
+            </a:prstGeom>
+            <a:ln w="19050" cap="rnd">
+              <a:solidFill>
+                <a:schemeClr val="bg1"/>
+              </a:solidFill>
+            </a:ln>
+          </p:spPr>
+          <p:style>
+            <a:lnRef idx="1">
+              <a:schemeClr val="accent1"/>
+            </a:lnRef>
+            <a:fillRef idx="0">
+              <a:schemeClr val="accent1"/>
+            </a:fillRef>
+            <a:effectRef idx="0">
+              <a:schemeClr val="accent1"/>
+            </a:effectRef>
+            <a:fontRef idx="minor">
+              <a:schemeClr val="tx1"/>
+            </a:fontRef>
+          </p:style>
+        </p:cxnSp>
+        <p:cxnSp>
+          <p:nvCxnSpPr>
+            <p:cNvPr id="91" name="Straight Connector 90">
+              <a:extLst>
+                <a:ext uri="{FF2B5EF4-FFF2-40B4-BE49-F238E27FC236}">
+                  <a16:creationId xmlns:a16="http://schemas.microsoft.com/office/drawing/2014/main" id="{DCC69D90-544A-19FB-92FB-3B3ACC297279}"/>
+                </a:ext>
+              </a:extLst>
+            </p:cNvPr>
+            <p:cNvCxnSpPr>
+              <a:cxnSpLocks/>
+            </p:cNvCxnSpPr>
+            <p:nvPr/>
+          </p:nvCxnSpPr>
+          <p:spPr>
+            <a:xfrm rot="5400000">
+              <a:off x="3977225" y="3982775"/>
+              <a:ext cx="35640" cy="32341"/>
+            </a:xfrm>
+            <a:prstGeom prst="line">
+              <a:avLst/>
+            </a:prstGeom>
+            <a:ln w="19050" cap="rnd">
+              <a:solidFill>
+                <a:schemeClr val="bg1"/>
+              </a:solidFill>
+            </a:ln>
+          </p:spPr>
+          <p:style>
+            <a:lnRef idx="1">
+              <a:schemeClr val="accent1"/>
+            </a:lnRef>
+            <a:fillRef idx="0">
+              <a:schemeClr val="accent1"/>
+            </a:fillRef>
+            <a:effectRef idx="0">
+              <a:schemeClr val="accent1"/>
+            </a:effectRef>
+            <a:fontRef idx="minor">
+              <a:schemeClr val="tx1"/>
+            </a:fontRef>
+          </p:style>
+        </p:cxnSp>
+        <p:cxnSp>
+          <p:nvCxnSpPr>
+            <p:cNvPr id="92" name="Straight Connector 91">
+              <a:extLst>
+                <a:ext uri="{FF2B5EF4-FFF2-40B4-BE49-F238E27FC236}">
+                  <a16:creationId xmlns:a16="http://schemas.microsoft.com/office/drawing/2014/main" id="{9EA27882-D2D2-9B51-7EDC-FF067AB4222B}"/>
+                </a:ext>
+              </a:extLst>
+            </p:cNvPr>
+            <p:cNvCxnSpPr>
+              <a:cxnSpLocks/>
+            </p:cNvCxnSpPr>
+            <p:nvPr/>
+          </p:nvCxnSpPr>
+          <p:spPr>
+            <a:xfrm rot="10800000">
+              <a:off x="3978875" y="3719765"/>
+              <a:ext cx="32341" cy="35640"/>
+            </a:xfrm>
+            <a:prstGeom prst="line">
+              <a:avLst/>
+            </a:prstGeom>
+            <a:ln w="19050" cap="rnd">
+              <a:solidFill>
+                <a:schemeClr val="bg1"/>
+              </a:solidFill>
+            </a:ln>
+          </p:spPr>
+          <p:style>
+            <a:lnRef idx="1">
+              <a:schemeClr val="accent1"/>
+            </a:lnRef>
+            <a:fillRef idx="0">
+              <a:schemeClr val="accent1"/>
+            </a:fillRef>
+            <a:effectRef idx="0">
+              <a:schemeClr val="accent1"/>
+            </a:effectRef>
+            <a:fontRef idx="minor">
+              <a:schemeClr val="tx1"/>
+            </a:fontRef>
+          </p:style>
+        </p:cxnSp>
+        <p:cxnSp>
+          <p:nvCxnSpPr>
+            <p:cNvPr id="93" name="Straight Connector 92">
+              <a:extLst>
+                <a:ext uri="{FF2B5EF4-FFF2-40B4-BE49-F238E27FC236}">
+                  <a16:creationId xmlns:a16="http://schemas.microsoft.com/office/drawing/2014/main" id="{D9C9D73F-C8C1-CEA4-5B5A-FC6E613B0325}"/>
+                </a:ext>
+              </a:extLst>
+            </p:cNvPr>
+            <p:cNvCxnSpPr>
+              <a:cxnSpLocks/>
+            </p:cNvCxnSpPr>
+            <p:nvPr/>
+          </p:nvCxnSpPr>
+          <p:spPr>
+            <a:xfrm rot="10800000">
+              <a:off x="4255445" y="3981124"/>
+              <a:ext cx="32341" cy="35640"/>
+            </a:xfrm>
+            <a:prstGeom prst="line">
+              <a:avLst/>
+            </a:prstGeom>
+            <a:ln w="19050" cap="rnd">
+              <a:solidFill>
+                <a:schemeClr val="bg1"/>
+              </a:solidFill>
+            </a:ln>
+          </p:spPr>
+          <p:style>
+            <a:lnRef idx="1">
+              <a:schemeClr val="accent1"/>
+            </a:lnRef>
+            <a:fillRef idx="0">
+              <a:schemeClr val="accent1"/>
+            </a:fillRef>
+            <a:effectRef idx="0">
+              <a:schemeClr val="accent1"/>
+            </a:effectRef>
+            <a:fontRef idx="minor">
+              <a:schemeClr val="tx1"/>
+            </a:fontRef>
+          </p:style>
+        </p:cxnSp>
+        <p:cxnSp>
+          <p:nvCxnSpPr>
+            <p:cNvPr id="94" name="Straight Connector 93">
+              <a:extLst>
+                <a:ext uri="{FF2B5EF4-FFF2-40B4-BE49-F238E27FC236}">
+                  <a16:creationId xmlns:a16="http://schemas.microsoft.com/office/drawing/2014/main" id="{71DC2E60-0AAF-12F6-F76C-0E163EDA1B94}"/>
+                </a:ext>
+              </a:extLst>
+            </p:cNvPr>
+            <p:cNvCxnSpPr>
+              <a:cxnSpLocks/>
+            </p:cNvCxnSpPr>
+            <p:nvPr/>
+          </p:nvCxnSpPr>
+          <p:spPr>
+            <a:xfrm flipH="1">
+              <a:off x="4012406" y="3756808"/>
+              <a:ext cx="243039" cy="0"/>
+            </a:xfrm>
+            <a:prstGeom prst="line">
+              <a:avLst/>
+            </a:prstGeom>
+            <a:ln w="19050" cap="rnd">
+              <a:solidFill>
+                <a:schemeClr val="bg1"/>
+              </a:solidFill>
+            </a:ln>
+          </p:spPr>
+          <p:style>
+            <a:lnRef idx="1">
+              <a:schemeClr val="accent1"/>
+            </a:lnRef>
+            <a:fillRef idx="0">
+              <a:schemeClr val="accent1"/>
+            </a:fillRef>
+            <a:effectRef idx="0">
+              <a:schemeClr val="accent1"/>
+            </a:effectRef>
+            <a:fontRef idx="minor">
+              <a:schemeClr val="tx1"/>
+            </a:fontRef>
+          </p:style>
+        </p:cxnSp>
+        <p:cxnSp>
+          <p:nvCxnSpPr>
+            <p:cNvPr id="95" name="Straight Connector 94">
+              <a:extLst>
+                <a:ext uri="{FF2B5EF4-FFF2-40B4-BE49-F238E27FC236}">
+                  <a16:creationId xmlns:a16="http://schemas.microsoft.com/office/drawing/2014/main" id="{F0F2FEBB-5DB7-AC36-F183-A184EFFCF162}"/>
+                </a:ext>
+              </a:extLst>
+            </p:cNvPr>
+            <p:cNvCxnSpPr>
+              <a:cxnSpLocks/>
+            </p:cNvCxnSpPr>
+            <p:nvPr/>
+          </p:nvCxnSpPr>
+          <p:spPr>
+            <a:xfrm flipH="1">
+              <a:off x="4011216" y="3981124"/>
+              <a:ext cx="252000" cy="0"/>
+            </a:xfrm>
+            <a:prstGeom prst="line">
+              <a:avLst/>
+            </a:prstGeom>
+            <a:ln w="19050" cap="rnd">
+              <a:solidFill>
+                <a:schemeClr val="bg1"/>
+              </a:solidFill>
+            </a:ln>
+          </p:spPr>
+          <p:style>
+            <a:lnRef idx="1">
+              <a:schemeClr val="accent1"/>
+            </a:lnRef>
+            <a:fillRef idx="0">
+              <a:schemeClr val="accent1"/>
+            </a:fillRef>
+            <a:effectRef idx="0">
+              <a:schemeClr val="accent1"/>
+            </a:effectRef>
+            <a:fontRef idx="minor">
+              <a:schemeClr val="tx1"/>
+            </a:fontRef>
+          </p:style>
+        </p:cxnSp>
+        <p:sp>
+          <p:nvSpPr>
+            <p:cNvPr id="96" name="Rectangle 95">
+              <a:extLst>
+                <a:ext uri="{FF2B5EF4-FFF2-40B4-BE49-F238E27FC236}">
+                  <a16:creationId xmlns:a16="http://schemas.microsoft.com/office/drawing/2014/main" id="{5598CB25-C25E-CC9F-FD74-30CDFEAC1EF2}"/>
+                </a:ext>
+              </a:extLst>
+            </p:cNvPr>
+            <p:cNvSpPr/>
+            <p:nvPr/>
+          </p:nvSpPr>
+          <p:spPr>
+            <a:xfrm>
+              <a:off x="4048658" y="3775932"/>
+              <a:ext cx="171522" cy="184666"/>
+            </a:xfrm>
+            <a:prstGeom prst="rect">
+              <a:avLst/>
+            </a:prstGeom>
+            <a:noFill/>
+            <a:ln w="19050">
+              <a:noFill/>
+            </a:ln>
+          </p:spPr>
+          <p:style>
+            <a:lnRef idx="2">
+              <a:schemeClr val="accent1">
+                <a:shade val="50000"/>
+              </a:schemeClr>
+            </a:lnRef>
+            <a:fillRef idx="1">
+              <a:schemeClr val="accent1"/>
+            </a:fillRef>
+            <a:effectRef idx="0">
+              <a:schemeClr val="accent1"/>
+            </a:effectRef>
+            <a:fontRef idx="minor">
+              <a:schemeClr val="lt1"/>
+            </a:fontRef>
+          </p:style>
+          <p:txBody>
+            <a:bodyPr wrap="none" lIns="0" tIns="0" rIns="0" bIns="0" rtlCol="0" anchor="ctr">
+              <a:spAutoFit/>
+            </a:bodyPr>
+            <a:lstStyle/>
+            <a:p>
+              <a:pPr algn="ctr"/>
+              <a:r>
+                <a:rPr lang="da-DK" sz="1200" b="1" dirty="0">
+                  <a:latin typeface="Tecnico" panose="02000503000000000000" pitchFamily="2" charset="0"/>
+                </a:rPr>
+                <a:t>A5</a:t>
+              </a:r>
+            </a:p>
+          </p:txBody>
+        </p:sp>
+      </p:grpSp>
+      <p:grpSp>
+        <p:nvGrpSpPr>
+          <p:cNvPr id="97" name="Group 96">
+            <a:extLst>
+              <a:ext uri="{FF2B5EF4-FFF2-40B4-BE49-F238E27FC236}">
+                <a16:creationId xmlns:a16="http://schemas.microsoft.com/office/drawing/2014/main" id="{C74EC15C-E4CA-191F-1687-440A545A1C12}"/>
+              </a:ext>
+            </a:extLst>
+          </p:cNvPr>
+          <p:cNvGrpSpPr/>
+          <p:nvPr/>
+        </p:nvGrpSpPr>
+        <p:grpSpPr>
+          <a:xfrm>
+            <a:off x="5541634" y="1057528"/>
+            <a:ext cx="444938" cy="297001"/>
+            <a:chOff x="3911497" y="3719765"/>
+            <a:chExt cx="444938" cy="297001"/>
+          </a:xfrm>
+        </p:grpSpPr>
+        <p:cxnSp>
+          <p:nvCxnSpPr>
+            <p:cNvPr id="98" name="Straight Connector 97">
+              <a:extLst>
+                <a:ext uri="{FF2B5EF4-FFF2-40B4-BE49-F238E27FC236}">
+                  <a16:creationId xmlns:a16="http://schemas.microsoft.com/office/drawing/2014/main" id="{F438BC51-BF2B-3F0F-7116-DD284EE4CAB3}"/>
+                </a:ext>
+              </a:extLst>
+            </p:cNvPr>
+            <p:cNvCxnSpPr>
+              <a:cxnSpLocks/>
+            </p:cNvCxnSpPr>
+            <p:nvPr/>
+          </p:nvCxnSpPr>
+          <p:spPr>
+            <a:xfrm>
+              <a:off x="3911498" y="3719765"/>
+              <a:ext cx="0" cy="297000"/>
+            </a:xfrm>
+            <a:prstGeom prst="line">
+              <a:avLst/>
+            </a:prstGeom>
+            <a:ln w="19050" cap="rnd">
+              <a:solidFill>
+                <a:schemeClr val="bg1"/>
+              </a:solidFill>
+            </a:ln>
+          </p:spPr>
+          <p:style>
+            <a:lnRef idx="1">
+              <a:schemeClr val="accent1"/>
+            </a:lnRef>
+            <a:fillRef idx="0">
+              <a:schemeClr val="accent1"/>
+            </a:fillRef>
+            <a:effectRef idx="0">
+              <a:schemeClr val="accent1"/>
+            </a:effectRef>
+            <a:fontRef idx="minor">
+              <a:schemeClr val="tx1"/>
+            </a:fontRef>
+          </p:style>
+        </p:cxnSp>
+        <p:cxnSp>
+          <p:nvCxnSpPr>
+            <p:cNvPr id="99" name="Straight Connector 98">
+              <a:extLst>
+                <a:ext uri="{FF2B5EF4-FFF2-40B4-BE49-F238E27FC236}">
+                  <a16:creationId xmlns:a16="http://schemas.microsoft.com/office/drawing/2014/main" id="{1F1D96EB-833D-8C4B-4432-C5AFA1D23784}"/>
+                </a:ext>
+              </a:extLst>
+            </p:cNvPr>
+            <p:cNvCxnSpPr>
+              <a:cxnSpLocks/>
+            </p:cNvCxnSpPr>
+            <p:nvPr/>
+          </p:nvCxnSpPr>
+          <p:spPr>
+            <a:xfrm>
+              <a:off x="4356435" y="3719765"/>
+              <a:ext cx="0" cy="297000"/>
+            </a:xfrm>
+            <a:prstGeom prst="line">
+              <a:avLst/>
+            </a:prstGeom>
+            <a:ln w="19050" cap="rnd">
+              <a:solidFill>
+                <a:schemeClr val="bg1"/>
+              </a:solidFill>
+            </a:ln>
+          </p:spPr>
+          <p:style>
+            <a:lnRef idx="1">
+              <a:schemeClr val="accent1"/>
+            </a:lnRef>
+            <a:fillRef idx="0">
+              <a:schemeClr val="accent1"/>
+            </a:fillRef>
+            <a:effectRef idx="0">
+              <a:schemeClr val="accent1"/>
+            </a:effectRef>
+            <a:fontRef idx="minor">
+              <a:schemeClr val="tx1"/>
+            </a:fontRef>
+          </p:style>
+        </p:cxnSp>
+        <p:cxnSp>
+          <p:nvCxnSpPr>
+            <p:cNvPr id="100" name="Straight Connector 99">
+              <a:extLst>
+                <a:ext uri="{FF2B5EF4-FFF2-40B4-BE49-F238E27FC236}">
+                  <a16:creationId xmlns:a16="http://schemas.microsoft.com/office/drawing/2014/main" id="{7C0CA9B6-C178-2052-0914-E7D3884225B2}"/>
+                </a:ext>
+              </a:extLst>
+            </p:cNvPr>
+            <p:cNvCxnSpPr>
+              <a:cxnSpLocks/>
+            </p:cNvCxnSpPr>
+            <p:nvPr/>
+          </p:nvCxnSpPr>
+          <p:spPr>
+            <a:xfrm rot="5400000">
+              <a:off x="3945186" y="3686077"/>
+              <a:ext cx="0" cy="67377"/>
+            </a:xfrm>
+            <a:prstGeom prst="line">
+              <a:avLst/>
+            </a:prstGeom>
+            <a:ln w="19050" cap="rnd">
+              <a:solidFill>
+                <a:schemeClr val="bg1"/>
+              </a:solidFill>
+            </a:ln>
+          </p:spPr>
+          <p:style>
+            <a:lnRef idx="1">
+              <a:schemeClr val="accent1"/>
+            </a:lnRef>
+            <a:fillRef idx="0">
+              <a:schemeClr val="accent1"/>
+            </a:fillRef>
+            <a:effectRef idx="0">
+              <a:schemeClr val="accent1"/>
+            </a:effectRef>
+            <a:fontRef idx="minor">
+              <a:schemeClr val="tx1"/>
+            </a:fontRef>
+          </p:style>
+        </p:cxnSp>
+        <p:cxnSp>
+          <p:nvCxnSpPr>
+            <p:cNvPr id="101" name="Straight Connector 100">
+              <a:extLst>
+                <a:ext uri="{FF2B5EF4-FFF2-40B4-BE49-F238E27FC236}">
+                  <a16:creationId xmlns:a16="http://schemas.microsoft.com/office/drawing/2014/main" id="{DB3CD43F-0292-82C1-9AFB-DBD0965E6847}"/>
+                </a:ext>
+              </a:extLst>
+            </p:cNvPr>
+            <p:cNvCxnSpPr>
+              <a:cxnSpLocks/>
+            </p:cNvCxnSpPr>
+            <p:nvPr/>
+          </p:nvCxnSpPr>
+          <p:spPr>
+            <a:xfrm rot="5400000">
+              <a:off x="3945186" y="3983077"/>
+              <a:ext cx="0" cy="67377"/>
+            </a:xfrm>
+            <a:prstGeom prst="line">
+              <a:avLst/>
+            </a:prstGeom>
+            <a:ln w="19050" cap="rnd">
+              <a:solidFill>
+                <a:schemeClr val="bg1"/>
+              </a:solidFill>
+            </a:ln>
+          </p:spPr>
+          <p:style>
+            <a:lnRef idx="1">
+              <a:schemeClr val="accent1"/>
+            </a:lnRef>
+            <a:fillRef idx="0">
+              <a:schemeClr val="accent1"/>
+            </a:fillRef>
+            <a:effectRef idx="0">
+              <a:schemeClr val="accent1"/>
+            </a:effectRef>
+            <a:fontRef idx="minor">
+              <a:schemeClr val="tx1"/>
+            </a:fontRef>
+          </p:style>
+        </p:cxnSp>
+        <p:cxnSp>
+          <p:nvCxnSpPr>
+            <p:cNvPr id="102" name="Straight Connector 101">
+              <a:extLst>
+                <a:ext uri="{FF2B5EF4-FFF2-40B4-BE49-F238E27FC236}">
+                  <a16:creationId xmlns:a16="http://schemas.microsoft.com/office/drawing/2014/main" id="{DD6D3DF4-A541-551F-0D8E-408ED0DA7623}"/>
+                </a:ext>
+              </a:extLst>
+            </p:cNvPr>
+            <p:cNvCxnSpPr>
+              <a:cxnSpLocks/>
+            </p:cNvCxnSpPr>
+            <p:nvPr/>
+          </p:nvCxnSpPr>
+          <p:spPr>
+            <a:xfrm rot="5400000">
+              <a:off x="4322747" y="3686077"/>
+              <a:ext cx="0" cy="67377"/>
+            </a:xfrm>
+            <a:prstGeom prst="line">
+              <a:avLst/>
+            </a:prstGeom>
+            <a:ln w="19050" cap="rnd">
+              <a:solidFill>
+                <a:schemeClr val="bg1"/>
+              </a:solidFill>
+            </a:ln>
+          </p:spPr>
+          <p:style>
+            <a:lnRef idx="1">
+              <a:schemeClr val="accent1"/>
+            </a:lnRef>
+            <a:fillRef idx="0">
+              <a:schemeClr val="accent1"/>
+            </a:fillRef>
+            <a:effectRef idx="0">
+              <a:schemeClr val="accent1"/>
+            </a:effectRef>
+            <a:fontRef idx="minor">
+              <a:schemeClr val="tx1"/>
+            </a:fontRef>
+          </p:style>
+        </p:cxnSp>
+        <p:cxnSp>
+          <p:nvCxnSpPr>
+            <p:cNvPr id="103" name="Straight Connector 102">
+              <a:extLst>
+                <a:ext uri="{FF2B5EF4-FFF2-40B4-BE49-F238E27FC236}">
+                  <a16:creationId xmlns:a16="http://schemas.microsoft.com/office/drawing/2014/main" id="{EE5534AA-6A48-DD94-BCD5-F01A2E2E4092}"/>
+                </a:ext>
+              </a:extLst>
+            </p:cNvPr>
+            <p:cNvCxnSpPr>
+              <a:cxnSpLocks/>
+            </p:cNvCxnSpPr>
+            <p:nvPr/>
+          </p:nvCxnSpPr>
+          <p:spPr>
+            <a:xfrm rot="5400000">
+              <a:off x="4322747" y="3983077"/>
+              <a:ext cx="0" cy="67377"/>
+            </a:xfrm>
+            <a:prstGeom prst="line">
+              <a:avLst/>
+            </a:prstGeom>
+            <a:ln w="19050" cap="rnd">
+              <a:solidFill>
+                <a:schemeClr val="bg1"/>
+              </a:solidFill>
+            </a:ln>
+          </p:spPr>
+          <p:style>
+            <a:lnRef idx="1">
+              <a:schemeClr val="accent1"/>
+            </a:lnRef>
+            <a:fillRef idx="0">
+              <a:schemeClr val="accent1"/>
+            </a:fillRef>
+            <a:effectRef idx="0">
+              <a:schemeClr val="accent1"/>
+            </a:effectRef>
+            <a:fontRef idx="minor">
+              <a:schemeClr val="tx1"/>
+            </a:fontRef>
+          </p:style>
+        </p:cxnSp>
+        <p:cxnSp>
+          <p:nvCxnSpPr>
+            <p:cNvPr id="104" name="Straight Connector 103">
+              <a:extLst>
+                <a:ext uri="{FF2B5EF4-FFF2-40B4-BE49-F238E27FC236}">
+                  <a16:creationId xmlns:a16="http://schemas.microsoft.com/office/drawing/2014/main" id="{5A84B779-7D9E-4DD4-FD37-7F69A724DBEB}"/>
+                </a:ext>
+              </a:extLst>
+            </p:cNvPr>
+            <p:cNvCxnSpPr>
+              <a:cxnSpLocks/>
+            </p:cNvCxnSpPr>
+            <p:nvPr/>
+          </p:nvCxnSpPr>
+          <p:spPr>
+            <a:xfrm rot="5400000">
+              <a:off x="4253795" y="3721415"/>
+              <a:ext cx="35640" cy="32341"/>
+            </a:xfrm>
+            <a:prstGeom prst="line">
+              <a:avLst/>
+            </a:prstGeom>
+            <a:ln w="19050" cap="rnd">
+              <a:solidFill>
+                <a:schemeClr val="bg1"/>
+              </a:solidFill>
+            </a:ln>
+          </p:spPr>
+          <p:style>
+            <a:lnRef idx="1">
+              <a:schemeClr val="accent1"/>
+            </a:lnRef>
+            <a:fillRef idx="0">
+              <a:schemeClr val="accent1"/>
+            </a:fillRef>
+            <a:effectRef idx="0">
+              <a:schemeClr val="accent1"/>
+            </a:effectRef>
+            <a:fontRef idx="minor">
+              <a:schemeClr val="tx1"/>
+            </a:fontRef>
+          </p:style>
+        </p:cxnSp>
+        <p:cxnSp>
+          <p:nvCxnSpPr>
+            <p:cNvPr id="105" name="Straight Connector 104">
+              <a:extLst>
+                <a:ext uri="{FF2B5EF4-FFF2-40B4-BE49-F238E27FC236}">
+                  <a16:creationId xmlns:a16="http://schemas.microsoft.com/office/drawing/2014/main" id="{932956F8-494F-2CFB-B1AD-63E9A3506502}"/>
+                </a:ext>
+              </a:extLst>
+            </p:cNvPr>
+            <p:cNvCxnSpPr>
+              <a:cxnSpLocks/>
+            </p:cNvCxnSpPr>
+            <p:nvPr/>
+          </p:nvCxnSpPr>
+          <p:spPr>
+            <a:xfrm rot="5400000">
+              <a:off x="3977225" y="3982775"/>
+              <a:ext cx="35640" cy="32341"/>
+            </a:xfrm>
+            <a:prstGeom prst="line">
+              <a:avLst/>
+            </a:prstGeom>
+            <a:ln w="19050" cap="rnd">
+              <a:solidFill>
+                <a:schemeClr val="bg1"/>
+              </a:solidFill>
+            </a:ln>
+          </p:spPr>
+          <p:style>
+            <a:lnRef idx="1">
+              <a:schemeClr val="accent1"/>
+            </a:lnRef>
+            <a:fillRef idx="0">
+              <a:schemeClr val="accent1"/>
+            </a:fillRef>
+            <a:effectRef idx="0">
+              <a:schemeClr val="accent1"/>
+            </a:effectRef>
+            <a:fontRef idx="minor">
+              <a:schemeClr val="tx1"/>
+            </a:fontRef>
+          </p:style>
+        </p:cxnSp>
+        <p:cxnSp>
+          <p:nvCxnSpPr>
+            <p:cNvPr id="106" name="Straight Connector 105">
+              <a:extLst>
+                <a:ext uri="{FF2B5EF4-FFF2-40B4-BE49-F238E27FC236}">
+                  <a16:creationId xmlns:a16="http://schemas.microsoft.com/office/drawing/2014/main" id="{79965322-4BE6-D2A0-D6B1-B01A1F9D382D}"/>
+                </a:ext>
+              </a:extLst>
+            </p:cNvPr>
+            <p:cNvCxnSpPr>
+              <a:cxnSpLocks/>
+            </p:cNvCxnSpPr>
+            <p:nvPr/>
+          </p:nvCxnSpPr>
+          <p:spPr>
+            <a:xfrm rot="10800000">
+              <a:off x="3978875" y="3719765"/>
+              <a:ext cx="32341" cy="35640"/>
+            </a:xfrm>
+            <a:prstGeom prst="line">
+              <a:avLst/>
+            </a:prstGeom>
+            <a:ln w="19050" cap="rnd">
+              <a:solidFill>
+                <a:schemeClr val="bg1"/>
+              </a:solidFill>
+            </a:ln>
+          </p:spPr>
+          <p:style>
+            <a:lnRef idx="1">
+              <a:schemeClr val="accent1"/>
+            </a:lnRef>
+            <a:fillRef idx="0">
+              <a:schemeClr val="accent1"/>
+            </a:fillRef>
+            <a:effectRef idx="0">
+              <a:schemeClr val="accent1"/>
+            </a:effectRef>
+            <a:fontRef idx="minor">
+              <a:schemeClr val="tx1"/>
+            </a:fontRef>
+          </p:style>
+        </p:cxnSp>
+        <p:cxnSp>
+          <p:nvCxnSpPr>
+            <p:cNvPr id="107" name="Straight Connector 106">
+              <a:extLst>
+                <a:ext uri="{FF2B5EF4-FFF2-40B4-BE49-F238E27FC236}">
+                  <a16:creationId xmlns:a16="http://schemas.microsoft.com/office/drawing/2014/main" id="{AC446F97-04DD-DAEE-3C4F-39B99FA76378}"/>
+                </a:ext>
+              </a:extLst>
+            </p:cNvPr>
+            <p:cNvCxnSpPr>
+              <a:cxnSpLocks/>
+            </p:cNvCxnSpPr>
+            <p:nvPr/>
+          </p:nvCxnSpPr>
+          <p:spPr>
+            <a:xfrm rot="10800000">
+              <a:off x="4255445" y="3981124"/>
+              <a:ext cx="32341" cy="35640"/>
+            </a:xfrm>
+            <a:prstGeom prst="line">
+              <a:avLst/>
+            </a:prstGeom>
+            <a:ln w="19050" cap="rnd">
+              <a:solidFill>
+                <a:schemeClr val="bg1"/>
+              </a:solidFill>
+            </a:ln>
+          </p:spPr>
+          <p:style>
+            <a:lnRef idx="1">
+              <a:schemeClr val="accent1"/>
+            </a:lnRef>
+            <a:fillRef idx="0">
+              <a:schemeClr val="accent1"/>
+            </a:fillRef>
+            <a:effectRef idx="0">
+              <a:schemeClr val="accent1"/>
+            </a:effectRef>
+            <a:fontRef idx="minor">
+              <a:schemeClr val="tx1"/>
+            </a:fontRef>
+          </p:style>
+        </p:cxnSp>
+        <p:cxnSp>
+          <p:nvCxnSpPr>
+            <p:cNvPr id="108" name="Straight Connector 107">
+              <a:extLst>
+                <a:ext uri="{FF2B5EF4-FFF2-40B4-BE49-F238E27FC236}">
+                  <a16:creationId xmlns:a16="http://schemas.microsoft.com/office/drawing/2014/main" id="{10FEB88E-E616-799A-C8BC-76CF6FC3DBDD}"/>
+                </a:ext>
+              </a:extLst>
+            </p:cNvPr>
+            <p:cNvCxnSpPr>
+              <a:cxnSpLocks/>
+            </p:cNvCxnSpPr>
+            <p:nvPr/>
+          </p:nvCxnSpPr>
+          <p:spPr>
+            <a:xfrm flipH="1">
+              <a:off x="4012406" y="3756808"/>
+              <a:ext cx="243039" cy="0"/>
+            </a:xfrm>
+            <a:prstGeom prst="line">
+              <a:avLst/>
+            </a:prstGeom>
+            <a:ln w="19050" cap="rnd">
+              <a:solidFill>
+                <a:schemeClr val="bg1"/>
+              </a:solidFill>
+            </a:ln>
+          </p:spPr>
+          <p:style>
+            <a:lnRef idx="1">
+              <a:schemeClr val="accent1"/>
+            </a:lnRef>
+            <a:fillRef idx="0">
+              <a:schemeClr val="accent1"/>
+            </a:fillRef>
+            <a:effectRef idx="0">
+              <a:schemeClr val="accent1"/>
+            </a:effectRef>
+            <a:fontRef idx="minor">
+              <a:schemeClr val="tx1"/>
+            </a:fontRef>
+          </p:style>
+        </p:cxnSp>
+        <p:cxnSp>
+          <p:nvCxnSpPr>
+            <p:cNvPr id="109" name="Straight Connector 108">
+              <a:extLst>
+                <a:ext uri="{FF2B5EF4-FFF2-40B4-BE49-F238E27FC236}">
+                  <a16:creationId xmlns:a16="http://schemas.microsoft.com/office/drawing/2014/main" id="{C5BF02CD-F0AC-C550-6684-FBA1C1EB8627}"/>
+                </a:ext>
+              </a:extLst>
+            </p:cNvPr>
+            <p:cNvCxnSpPr>
+              <a:cxnSpLocks/>
+            </p:cNvCxnSpPr>
+            <p:nvPr/>
+          </p:nvCxnSpPr>
+          <p:spPr>
+            <a:xfrm flipH="1">
+              <a:off x="4011216" y="3981124"/>
+              <a:ext cx="252000" cy="0"/>
+            </a:xfrm>
+            <a:prstGeom prst="line">
+              <a:avLst/>
+            </a:prstGeom>
+            <a:ln w="19050" cap="rnd">
+              <a:solidFill>
+                <a:schemeClr val="bg1"/>
+              </a:solidFill>
+            </a:ln>
+          </p:spPr>
+          <p:style>
+            <a:lnRef idx="1">
+              <a:schemeClr val="accent1"/>
+            </a:lnRef>
+            <a:fillRef idx="0">
+              <a:schemeClr val="accent1"/>
+            </a:fillRef>
+            <a:effectRef idx="0">
+              <a:schemeClr val="accent1"/>
+            </a:effectRef>
+            <a:fontRef idx="minor">
+              <a:schemeClr val="tx1"/>
+            </a:fontRef>
+          </p:style>
+        </p:cxnSp>
+        <p:sp>
+          <p:nvSpPr>
+            <p:cNvPr id="110" name="Rectangle 109">
+              <a:extLst>
+                <a:ext uri="{FF2B5EF4-FFF2-40B4-BE49-F238E27FC236}">
+                  <a16:creationId xmlns:a16="http://schemas.microsoft.com/office/drawing/2014/main" id="{543179BA-DB43-995F-D61B-05619AF83B68}"/>
+                </a:ext>
+              </a:extLst>
+            </p:cNvPr>
+            <p:cNvSpPr/>
+            <p:nvPr/>
+          </p:nvSpPr>
+          <p:spPr>
+            <a:xfrm>
+              <a:off x="4048659" y="3775932"/>
+              <a:ext cx="171521" cy="184666"/>
+            </a:xfrm>
+            <a:prstGeom prst="rect">
+              <a:avLst/>
+            </a:prstGeom>
+            <a:noFill/>
+            <a:ln w="19050">
+              <a:noFill/>
+            </a:ln>
+          </p:spPr>
+          <p:style>
+            <a:lnRef idx="2">
+              <a:schemeClr val="accent1">
+                <a:shade val="50000"/>
+              </a:schemeClr>
+            </a:lnRef>
+            <a:fillRef idx="1">
+              <a:schemeClr val="accent1"/>
+            </a:fillRef>
+            <a:effectRef idx="0">
+              <a:schemeClr val="accent1"/>
+            </a:effectRef>
+            <a:fontRef idx="minor">
+              <a:schemeClr val="lt1"/>
+            </a:fontRef>
+          </p:style>
+          <p:txBody>
+            <a:bodyPr wrap="none" lIns="0" tIns="0" rIns="0" bIns="0" rtlCol="0" anchor="ctr">
+              <a:spAutoFit/>
+            </a:bodyPr>
+            <a:lstStyle/>
+            <a:p>
+              <a:pPr algn="ctr"/>
+              <a:r>
+                <a:rPr lang="da-DK" sz="1200" b="1" dirty="0">
+                  <a:latin typeface="Tecnico" panose="02000503000000000000" pitchFamily="2" charset="0"/>
+                </a:rPr>
+                <a:t>A6</a:t>
+              </a:r>
+            </a:p>
+          </p:txBody>
+        </p:sp>
+      </p:grpSp>
+      <p:grpSp>
+        <p:nvGrpSpPr>
+          <p:cNvPr id="111" name="Group 110">
+            <a:extLst>
+              <a:ext uri="{FF2B5EF4-FFF2-40B4-BE49-F238E27FC236}">
+                <a16:creationId xmlns:a16="http://schemas.microsoft.com/office/drawing/2014/main" id="{135B31C3-C7DF-F192-579E-DC304C34B7FB}"/>
+              </a:ext>
+            </a:extLst>
+          </p:cNvPr>
+          <p:cNvGrpSpPr/>
+          <p:nvPr/>
+        </p:nvGrpSpPr>
+        <p:grpSpPr>
+          <a:xfrm>
+            <a:off x="6502979" y="1057528"/>
+            <a:ext cx="444938" cy="297001"/>
+            <a:chOff x="3911497" y="3719765"/>
+            <a:chExt cx="444938" cy="297001"/>
+          </a:xfrm>
+        </p:grpSpPr>
+        <p:cxnSp>
+          <p:nvCxnSpPr>
+            <p:cNvPr id="112" name="Straight Connector 111">
+              <a:extLst>
+                <a:ext uri="{FF2B5EF4-FFF2-40B4-BE49-F238E27FC236}">
+                  <a16:creationId xmlns:a16="http://schemas.microsoft.com/office/drawing/2014/main" id="{E5591D86-487A-CAC0-9F60-87CD45217E64}"/>
+                </a:ext>
+              </a:extLst>
+            </p:cNvPr>
+            <p:cNvCxnSpPr>
+              <a:cxnSpLocks/>
+            </p:cNvCxnSpPr>
+            <p:nvPr/>
+          </p:nvCxnSpPr>
+          <p:spPr>
+            <a:xfrm>
+              <a:off x="3911498" y="3719765"/>
+              <a:ext cx="0" cy="297000"/>
+            </a:xfrm>
+            <a:prstGeom prst="line">
+              <a:avLst/>
+            </a:prstGeom>
+            <a:ln w="19050" cap="rnd">
+              <a:solidFill>
+                <a:schemeClr val="bg1"/>
+              </a:solidFill>
+            </a:ln>
+          </p:spPr>
+          <p:style>
+            <a:lnRef idx="1">
+              <a:schemeClr val="accent1"/>
+            </a:lnRef>
+            <a:fillRef idx="0">
+              <a:schemeClr val="accent1"/>
+            </a:fillRef>
+            <a:effectRef idx="0">
+              <a:schemeClr val="accent1"/>
+            </a:effectRef>
+            <a:fontRef idx="minor">
+              <a:schemeClr val="tx1"/>
+            </a:fontRef>
+          </p:style>
+        </p:cxnSp>
+        <p:cxnSp>
+          <p:nvCxnSpPr>
+            <p:cNvPr id="113" name="Straight Connector 112">
+              <a:extLst>
+                <a:ext uri="{FF2B5EF4-FFF2-40B4-BE49-F238E27FC236}">
+                  <a16:creationId xmlns:a16="http://schemas.microsoft.com/office/drawing/2014/main" id="{755AF8CD-A7B6-0FF2-D9C9-7A11E3C140E0}"/>
+                </a:ext>
+              </a:extLst>
+            </p:cNvPr>
+            <p:cNvCxnSpPr>
+              <a:cxnSpLocks/>
+            </p:cNvCxnSpPr>
+            <p:nvPr/>
+          </p:nvCxnSpPr>
+          <p:spPr>
+            <a:xfrm>
+              <a:off x="4356435" y="3719765"/>
+              <a:ext cx="0" cy="297000"/>
+            </a:xfrm>
+            <a:prstGeom prst="line">
+              <a:avLst/>
+            </a:prstGeom>
+            <a:ln w="19050" cap="rnd">
+              <a:solidFill>
+                <a:schemeClr val="bg1"/>
+              </a:solidFill>
+            </a:ln>
+          </p:spPr>
+          <p:style>
+            <a:lnRef idx="1">
+              <a:schemeClr val="accent1"/>
+            </a:lnRef>
+            <a:fillRef idx="0">
+              <a:schemeClr val="accent1"/>
+            </a:fillRef>
+            <a:effectRef idx="0">
+              <a:schemeClr val="accent1"/>
+            </a:effectRef>
+            <a:fontRef idx="minor">
+              <a:schemeClr val="tx1"/>
+            </a:fontRef>
+          </p:style>
+        </p:cxnSp>
+        <p:cxnSp>
+          <p:nvCxnSpPr>
+            <p:cNvPr id="114" name="Straight Connector 113">
+              <a:extLst>
+                <a:ext uri="{FF2B5EF4-FFF2-40B4-BE49-F238E27FC236}">
+                  <a16:creationId xmlns:a16="http://schemas.microsoft.com/office/drawing/2014/main" id="{D2D1CCE7-224E-55BB-DC45-1A4EEC3D1710}"/>
+                </a:ext>
+              </a:extLst>
+            </p:cNvPr>
+            <p:cNvCxnSpPr>
+              <a:cxnSpLocks/>
+            </p:cNvCxnSpPr>
+            <p:nvPr/>
+          </p:nvCxnSpPr>
+          <p:spPr>
+            <a:xfrm rot="5400000">
+              <a:off x="3945186" y="3686077"/>
+              <a:ext cx="0" cy="67377"/>
+            </a:xfrm>
+            <a:prstGeom prst="line">
+              <a:avLst/>
+            </a:prstGeom>
+            <a:ln w="19050" cap="rnd">
+              <a:solidFill>
+                <a:schemeClr val="bg1"/>
+              </a:solidFill>
+            </a:ln>
+          </p:spPr>
+          <p:style>
+            <a:lnRef idx="1">
+              <a:schemeClr val="accent1"/>
+            </a:lnRef>
+            <a:fillRef idx="0">
+              <a:schemeClr val="accent1"/>
+            </a:fillRef>
+            <a:effectRef idx="0">
+              <a:schemeClr val="accent1"/>
+            </a:effectRef>
+            <a:fontRef idx="minor">
+              <a:schemeClr val="tx1"/>
+            </a:fontRef>
+          </p:style>
+        </p:cxnSp>
+        <p:cxnSp>
+          <p:nvCxnSpPr>
+            <p:cNvPr id="115" name="Straight Connector 114">
+              <a:extLst>
+                <a:ext uri="{FF2B5EF4-FFF2-40B4-BE49-F238E27FC236}">
+                  <a16:creationId xmlns:a16="http://schemas.microsoft.com/office/drawing/2014/main" id="{59D5F39B-4986-DECD-D3C8-7622DD3AB0E8}"/>
+                </a:ext>
+              </a:extLst>
+            </p:cNvPr>
+            <p:cNvCxnSpPr>
+              <a:cxnSpLocks/>
+            </p:cNvCxnSpPr>
+            <p:nvPr/>
+          </p:nvCxnSpPr>
+          <p:spPr>
+            <a:xfrm rot="5400000">
+              <a:off x="3945186" y="3983077"/>
+              <a:ext cx="0" cy="67377"/>
+            </a:xfrm>
+            <a:prstGeom prst="line">
+              <a:avLst/>
+            </a:prstGeom>
+            <a:ln w="19050" cap="rnd">
+              <a:solidFill>
+                <a:schemeClr val="bg1"/>
+              </a:solidFill>
+            </a:ln>
+          </p:spPr>
+          <p:style>
+            <a:lnRef idx="1">
+              <a:schemeClr val="accent1"/>
+            </a:lnRef>
+            <a:fillRef idx="0">
+              <a:schemeClr val="accent1"/>
+            </a:fillRef>
+            <a:effectRef idx="0">
+              <a:schemeClr val="accent1"/>
+            </a:effectRef>
+            <a:fontRef idx="minor">
+              <a:schemeClr val="tx1"/>
+            </a:fontRef>
+          </p:style>
+        </p:cxnSp>
+        <p:cxnSp>
+          <p:nvCxnSpPr>
+            <p:cNvPr id="116" name="Straight Connector 115">
+              <a:extLst>
+                <a:ext uri="{FF2B5EF4-FFF2-40B4-BE49-F238E27FC236}">
+                  <a16:creationId xmlns:a16="http://schemas.microsoft.com/office/drawing/2014/main" id="{0B2488B1-8E6A-E6EA-2130-DF27807882B0}"/>
+                </a:ext>
+              </a:extLst>
+            </p:cNvPr>
+            <p:cNvCxnSpPr>
+              <a:cxnSpLocks/>
+            </p:cNvCxnSpPr>
+            <p:nvPr/>
+          </p:nvCxnSpPr>
+          <p:spPr>
+            <a:xfrm rot="5400000">
+              <a:off x="4322747" y="3686077"/>
+              <a:ext cx="0" cy="67377"/>
+            </a:xfrm>
+            <a:prstGeom prst="line">
+              <a:avLst/>
+            </a:prstGeom>
+            <a:ln w="19050" cap="rnd">
+              <a:solidFill>
+                <a:schemeClr val="bg1"/>
+              </a:solidFill>
+            </a:ln>
+          </p:spPr>
+          <p:style>
+            <a:lnRef idx="1">
+              <a:schemeClr val="accent1"/>
+            </a:lnRef>
+            <a:fillRef idx="0">
+              <a:schemeClr val="accent1"/>
+            </a:fillRef>
+            <a:effectRef idx="0">
+              <a:schemeClr val="accent1"/>
+            </a:effectRef>
+            <a:fontRef idx="minor">
+              <a:schemeClr val="tx1"/>
+            </a:fontRef>
+          </p:style>
+        </p:cxnSp>
+        <p:cxnSp>
+          <p:nvCxnSpPr>
+            <p:cNvPr id="117" name="Straight Connector 116">
+              <a:extLst>
+                <a:ext uri="{FF2B5EF4-FFF2-40B4-BE49-F238E27FC236}">
+                  <a16:creationId xmlns:a16="http://schemas.microsoft.com/office/drawing/2014/main" id="{E7698009-CE42-0A34-7880-55E94355C734}"/>
+                </a:ext>
+              </a:extLst>
+            </p:cNvPr>
+            <p:cNvCxnSpPr>
+              <a:cxnSpLocks/>
+            </p:cNvCxnSpPr>
+            <p:nvPr/>
+          </p:nvCxnSpPr>
+          <p:spPr>
+            <a:xfrm rot="5400000">
+              <a:off x="4322747" y="3983077"/>
+              <a:ext cx="0" cy="67377"/>
+            </a:xfrm>
+            <a:prstGeom prst="line">
+              <a:avLst/>
+            </a:prstGeom>
+            <a:ln w="19050" cap="rnd">
+              <a:solidFill>
+                <a:schemeClr val="bg1"/>
+              </a:solidFill>
+            </a:ln>
+          </p:spPr>
+          <p:style>
+            <a:lnRef idx="1">
+              <a:schemeClr val="accent1"/>
+            </a:lnRef>
+            <a:fillRef idx="0">
+              <a:schemeClr val="accent1"/>
+            </a:fillRef>
+            <a:effectRef idx="0">
+              <a:schemeClr val="accent1"/>
+            </a:effectRef>
+            <a:fontRef idx="minor">
+              <a:schemeClr val="tx1"/>
+            </a:fontRef>
+          </p:style>
+        </p:cxnSp>
+        <p:cxnSp>
+          <p:nvCxnSpPr>
+            <p:cNvPr id="118" name="Straight Connector 117">
+              <a:extLst>
+                <a:ext uri="{FF2B5EF4-FFF2-40B4-BE49-F238E27FC236}">
+                  <a16:creationId xmlns:a16="http://schemas.microsoft.com/office/drawing/2014/main" id="{177ED975-E1C4-047F-96B9-151E670CDC64}"/>
+                </a:ext>
+              </a:extLst>
+            </p:cNvPr>
+            <p:cNvCxnSpPr>
+              <a:cxnSpLocks/>
+            </p:cNvCxnSpPr>
+            <p:nvPr/>
+          </p:nvCxnSpPr>
+          <p:spPr>
+            <a:xfrm rot="5400000">
+              <a:off x="4253795" y="3721415"/>
+              <a:ext cx="35640" cy="32341"/>
+            </a:xfrm>
+            <a:prstGeom prst="line">
+              <a:avLst/>
+            </a:prstGeom>
+            <a:ln w="19050" cap="rnd">
+              <a:solidFill>
+                <a:schemeClr val="bg1"/>
+              </a:solidFill>
+            </a:ln>
+          </p:spPr>
+          <p:style>
+            <a:lnRef idx="1">
+              <a:schemeClr val="accent1"/>
+            </a:lnRef>
+            <a:fillRef idx="0">
+              <a:schemeClr val="accent1"/>
+            </a:fillRef>
+            <a:effectRef idx="0">
+              <a:schemeClr val="accent1"/>
+            </a:effectRef>
+            <a:fontRef idx="minor">
+              <a:schemeClr val="tx1"/>
+            </a:fontRef>
+          </p:style>
+        </p:cxnSp>
+        <p:cxnSp>
+          <p:nvCxnSpPr>
+            <p:cNvPr id="119" name="Straight Connector 118">
+              <a:extLst>
+                <a:ext uri="{FF2B5EF4-FFF2-40B4-BE49-F238E27FC236}">
+                  <a16:creationId xmlns:a16="http://schemas.microsoft.com/office/drawing/2014/main" id="{529EBB27-0A4E-F5B9-CAB4-79979F9ECCB2}"/>
+                </a:ext>
+              </a:extLst>
+            </p:cNvPr>
+            <p:cNvCxnSpPr>
+              <a:cxnSpLocks/>
+            </p:cNvCxnSpPr>
+            <p:nvPr/>
+          </p:nvCxnSpPr>
+          <p:spPr>
+            <a:xfrm rot="5400000">
+              <a:off x="3977225" y="3982775"/>
+              <a:ext cx="35640" cy="32341"/>
+            </a:xfrm>
+            <a:prstGeom prst="line">
+              <a:avLst/>
+            </a:prstGeom>
+            <a:ln w="19050" cap="rnd">
+              <a:solidFill>
+                <a:schemeClr val="bg1"/>
+              </a:solidFill>
+            </a:ln>
+          </p:spPr>
+          <p:style>
+            <a:lnRef idx="1">
+              <a:schemeClr val="accent1"/>
+            </a:lnRef>
+            <a:fillRef idx="0">
+              <a:schemeClr val="accent1"/>
+            </a:fillRef>
+            <a:effectRef idx="0">
+              <a:schemeClr val="accent1"/>
+            </a:effectRef>
+            <a:fontRef idx="minor">
+              <a:schemeClr val="tx1"/>
+            </a:fontRef>
+          </p:style>
+        </p:cxnSp>
+        <p:cxnSp>
+          <p:nvCxnSpPr>
+            <p:cNvPr id="120" name="Straight Connector 119">
+              <a:extLst>
+                <a:ext uri="{FF2B5EF4-FFF2-40B4-BE49-F238E27FC236}">
+                  <a16:creationId xmlns:a16="http://schemas.microsoft.com/office/drawing/2014/main" id="{13A6E962-CF5F-C11C-3F2A-525C75E77365}"/>
+                </a:ext>
+              </a:extLst>
+            </p:cNvPr>
+            <p:cNvCxnSpPr>
+              <a:cxnSpLocks/>
+            </p:cNvCxnSpPr>
+            <p:nvPr/>
+          </p:nvCxnSpPr>
+          <p:spPr>
+            <a:xfrm rot="10800000">
+              <a:off x="3978875" y="3719765"/>
+              <a:ext cx="32341" cy="35640"/>
+            </a:xfrm>
+            <a:prstGeom prst="line">
+              <a:avLst/>
+            </a:prstGeom>
+            <a:ln w="19050" cap="rnd">
+              <a:solidFill>
+                <a:schemeClr val="bg1"/>
+              </a:solidFill>
+            </a:ln>
+          </p:spPr>
+          <p:style>
+            <a:lnRef idx="1">
+              <a:schemeClr val="accent1"/>
+            </a:lnRef>
+            <a:fillRef idx="0">
+              <a:schemeClr val="accent1"/>
+            </a:fillRef>
+            <a:effectRef idx="0">
+              <a:schemeClr val="accent1"/>
+            </a:effectRef>
+            <a:fontRef idx="minor">
+              <a:schemeClr val="tx1"/>
+            </a:fontRef>
+          </p:style>
+        </p:cxnSp>
+        <p:cxnSp>
+          <p:nvCxnSpPr>
+            <p:cNvPr id="121" name="Straight Connector 120">
+              <a:extLst>
+                <a:ext uri="{FF2B5EF4-FFF2-40B4-BE49-F238E27FC236}">
+                  <a16:creationId xmlns:a16="http://schemas.microsoft.com/office/drawing/2014/main" id="{9A070E7A-DBA7-B4DF-5CAD-1BFE1AD9D0E1}"/>
+                </a:ext>
+              </a:extLst>
+            </p:cNvPr>
+            <p:cNvCxnSpPr>
+              <a:cxnSpLocks/>
+            </p:cNvCxnSpPr>
+            <p:nvPr/>
+          </p:nvCxnSpPr>
+          <p:spPr>
+            <a:xfrm rot="10800000">
+              <a:off x="4255445" y="3981124"/>
+              <a:ext cx="32341" cy="35640"/>
+            </a:xfrm>
+            <a:prstGeom prst="line">
+              <a:avLst/>
+            </a:prstGeom>
+            <a:ln w="19050" cap="rnd">
+              <a:solidFill>
+                <a:schemeClr val="bg1"/>
+              </a:solidFill>
+            </a:ln>
+          </p:spPr>
+          <p:style>
+            <a:lnRef idx="1">
+              <a:schemeClr val="accent1"/>
+            </a:lnRef>
+            <a:fillRef idx="0">
+              <a:schemeClr val="accent1"/>
+            </a:fillRef>
+            <a:effectRef idx="0">
+              <a:schemeClr val="accent1"/>
+            </a:effectRef>
+            <a:fontRef idx="minor">
+              <a:schemeClr val="tx1"/>
+            </a:fontRef>
+          </p:style>
+        </p:cxnSp>
+        <p:cxnSp>
+          <p:nvCxnSpPr>
+            <p:cNvPr id="122" name="Straight Connector 121">
+              <a:extLst>
+                <a:ext uri="{FF2B5EF4-FFF2-40B4-BE49-F238E27FC236}">
+                  <a16:creationId xmlns:a16="http://schemas.microsoft.com/office/drawing/2014/main" id="{B396A3AC-5AEF-F7F6-02FE-B0BFAD014797}"/>
+                </a:ext>
+              </a:extLst>
+            </p:cNvPr>
+            <p:cNvCxnSpPr>
+              <a:cxnSpLocks/>
+            </p:cNvCxnSpPr>
+            <p:nvPr/>
+          </p:nvCxnSpPr>
+          <p:spPr>
+            <a:xfrm flipH="1">
+              <a:off x="4012406" y="3756808"/>
+              <a:ext cx="243039" cy="0"/>
+            </a:xfrm>
+            <a:prstGeom prst="line">
+              <a:avLst/>
+            </a:prstGeom>
+            <a:ln w="19050" cap="rnd">
+              <a:solidFill>
+                <a:schemeClr val="bg1"/>
+              </a:solidFill>
+            </a:ln>
+          </p:spPr>
+          <p:style>
+            <a:lnRef idx="1">
+              <a:schemeClr val="accent1"/>
+            </a:lnRef>
+            <a:fillRef idx="0">
+              <a:schemeClr val="accent1"/>
+            </a:fillRef>
+            <a:effectRef idx="0">
+              <a:schemeClr val="accent1"/>
+            </a:effectRef>
+            <a:fontRef idx="minor">
+              <a:schemeClr val="tx1"/>
+            </a:fontRef>
+          </p:style>
+        </p:cxnSp>
+        <p:cxnSp>
+          <p:nvCxnSpPr>
+            <p:cNvPr id="123" name="Straight Connector 122">
+              <a:extLst>
+                <a:ext uri="{FF2B5EF4-FFF2-40B4-BE49-F238E27FC236}">
+                  <a16:creationId xmlns:a16="http://schemas.microsoft.com/office/drawing/2014/main" id="{4F55E391-6CB2-EE8B-E6C0-9F33AA358D61}"/>
+                </a:ext>
+              </a:extLst>
+            </p:cNvPr>
+            <p:cNvCxnSpPr>
+              <a:cxnSpLocks/>
+            </p:cNvCxnSpPr>
+            <p:nvPr/>
+          </p:nvCxnSpPr>
+          <p:spPr>
+            <a:xfrm flipH="1">
+              <a:off x="4011216" y="3981124"/>
+              <a:ext cx="252000" cy="0"/>
+            </a:xfrm>
+            <a:prstGeom prst="line">
+              <a:avLst/>
+            </a:prstGeom>
+            <a:ln w="19050" cap="rnd">
+              <a:solidFill>
+                <a:schemeClr val="bg1"/>
+              </a:solidFill>
+            </a:ln>
+          </p:spPr>
+          <p:style>
+            <a:lnRef idx="1">
+              <a:schemeClr val="accent1"/>
+            </a:lnRef>
+            <a:fillRef idx="0">
+              <a:schemeClr val="accent1"/>
+            </a:fillRef>
+            <a:effectRef idx="0">
+              <a:schemeClr val="accent1"/>
+            </a:effectRef>
+            <a:fontRef idx="minor">
+              <a:schemeClr val="tx1"/>
+            </a:fontRef>
+          </p:style>
+        </p:cxnSp>
+        <p:sp>
+          <p:nvSpPr>
+            <p:cNvPr id="124" name="Rectangle 123">
+              <a:extLst>
+                <a:ext uri="{FF2B5EF4-FFF2-40B4-BE49-F238E27FC236}">
+                  <a16:creationId xmlns:a16="http://schemas.microsoft.com/office/drawing/2014/main" id="{6715EE84-1BC0-D78F-D1FB-A7D631E83325}"/>
+                </a:ext>
+              </a:extLst>
+            </p:cNvPr>
+            <p:cNvSpPr/>
+            <p:nvPr/>
+          </p:nvSpPr>
+          <p:spPr>
+            <a:xfrm>
+              <a:off x="4048659" y="3775932"/>
+              <a:ext cx="171521" cy="184666"/>
+            </a:xfrm>
+            <a:prstGeom prst="rect">
+              <a:avLst/>
+            </a:prstGeom>
+            <a:noFill/>
+            <a:ln w="19050">
+              <a:noFill/>
+            </a:ln>
+          </p:spPr>
+          <p:style>
+            <a:lnRef idx="2">
+              <a:schemeClr val="accent1">
+                <a:shade val="50000"/>
+              </a:schemeClr>
+            </a:lnRef>
+            <a:fillRef idx="1">
+              <a:schemeClr val="accent1"/>
+            </a:fillRef>
+            <a:effectRef idx="0">
+              <a:schemeClr val="accent1"/>
+            </a:effectRef>
+            <a:fontRef idx="minor">
+              <a:schemeClr val="lt1"/>
+            </a:fontRef>
+          </p:style>
+          <p:txBody>
+            <a:bodyPr wrap="none" lIns="0" tIns="0" rIns="0" bIns="0" rtlCol="0" anchor="ctr">
+              <a:spAutoFit/>
+            </a:bodyPr>
+            <a:lstStyle/>
+            <a:p>
+              <a:pPr algn="ctr"/>
+              <a:r>
+                <a:rPr lang="da-DK" sz="1200" b="1" dirty="0">
+                  <a:latin typeface="Tecnico" panose="02000503000000000000" pitchFamily="2" charset="0"/>
+                </a:rPr>
+                <a:t>A7</a:t>
+              </a:r>
+            </a:p>
+          </p:txBody>
+        </p:sp>
+      </p:grpSp>
+      <p:grpSp>
+        <p:nvGrpSpPr>
+          <p:cNvPr id="125" name="Group 124">
+            <a:extLst>
+              <a:ext uri="{FF2B5EF4-FFF2-40B4-BE49-F238E27FC236}">
+                <a16:creationId xmlns:a16="http://schemas.microsoft.com/office/drawing/2014/main" id="{3C7DC4A1-5F41-4B54-97B7-9E7C12278F5E}"/>
+              </a:ext>
+            </a:extLst>
+          </p:cNvPr>
+          <p:cNvGrpSpPr/>
+          <p:nvPr/>
+        </p:nvGrpSpPr>
+        <p:grpSpPr>
+          <a:xfrm>
+            <a:off x="7464322" y="1057528"/>
+            <a:ext cx="444938" cy="297001"/>
+            <a:chOff x="3911497" y="3719765"/>
+            <a:chExt cx="444938" cy="297001"/>
+          </a:xfrm>
+        </p:grpSpPr>
+        <p:cxnSp>
+          <p:nvCxnSpPr>
+            <p:cNvPr id="126" name="Straight Connector 125">
+              <a:extLst>
+                <a:ext uri="{FF2B5EF4-FFF2-40B4-BE49-F238E27FC236}">
+                  <a16:creationId xmlns:a16="http://schemas.microsoft.com/office/drawing/2014/main" id="{E1C63069-00B3-1EF2-FD69-82C2F19DC767}"/>
+                </a:ext>
+              </a:extLst>
+            </p:cNvPr>
+            <p:cNvCxnSpPr>
+              <a:cxnSpLocks/>
+            </p:cNvCxnSpPr>
+            <p:nvPr/>
+          </p:nvCxnSpPr>
+          <p:spPr>
+            <a:xfrm>
+              <a:off x="3911498" y="3719765"/>
+              <a:ext cx="0" cy="297000"/>
+            </a:xfrm>
+            <a:prstGeom prst="line">
+              <a:avLst/>
+            </a:prstGeom>
+            <a:ln w="19050" cap="rnd">
+              <a:solidFill>
+                <a:schemeClr val="bg1"/>
+              </a:solidFill>
+            </a:ln>
+          </p:spPr>
+          <p:style>
+            <a:lnRef idx="1">
+              <a:schemeClr val="accent1"/>
+            </a:lnRef>
+            <a:fillRef idx="0">
+              <a:schemeClr val="accent1"/>
+            </a:fillRef>
+            <a:effectRef idx="0">
+              <a:schemeClr val="accent1"/>
+            </a:effectRef>
+            <a:fontRef idx="minor">
+              <a:schemeClr val="tx1"/>
+            </a:fontRef>
+          </p:style>
+        </p:cxnSp>
+        <p:cxnSp>
+          <p:nvCxnSpPr>
+            <p:cNvPr id="127" name="Straight Connector 126">
+              <a:extLst>
+                <a:ext uri="{FF2B5EF4-FFF2-40B4-BE49-F238E27FC236}">
+                  <a16:creationId xmlns:a16="http://schemas.microsoft.com/office/drawing/2014/main" id="{4BB26F2D-8088-0C4B-CB34-04339801A5EC}"/>
+                </a:ext>
+              </a:extLst>
+            </p:cNvPr>
+            <p:cNvCxnSpPr>
+              <a:cxnSpLocks/>
+            </p:cNvCxnSpPr>
+            <p:nvPr/>
+          </p:nvCxnSpPr>
+          <p:spPr>
+            <a:xfrm>
+              <a:off x="4356435" y="3719765"/>
+              <a:ext cx="0" cy="297000"/>
+            </a:xfrm>
+            <a:prstGeom prst="line">
+              <a:avLst/>
+            </a:prstGeom>
+            <a:ln w="19050" cap="rnd">
+              <a:solidFill>
+                <a:schemeClr val="bg1"/>
+              </a:solidFill>
+            </a:ln>
+          </p:spPr>
+          <p:style>
+            <a:lnRef idx="1">
+              <a:schemeClr val="accent1"/>
+            </a:lnRef>
+            <a:fillRef idx="0">
+              <a:schemeClr val="accent1"/>
+            </a:fillRef>
+            <a:effectRef idx="0">
+              <a:schemeClr val="accent1"/>
+            </a:effectRef>
+            <a:fontRef idx="minor">
+              <a:schemeClr val="tx1"/>
+            </a:fontRef>
+          </p:style>
+        </p:cxnSp>
+        <p:cxnSp>
+          <p:nvCxnSpPr>
+            <p:cNvPr id="128" name="Straight Connector 127">
+              <a:extLst>
+                <a:ext uri="{FF2B5EF4-FFF2-40B4-BE49-F238E27FC236}">
+                  <a16:creationId xmlns:a16="http://schemas.microsoft.com/office/drawing/2014/main" id="{8912E705-28B5-F583-33E6-DD0CDA65537F}"/>
+                </a:ext>
+              </a:extLst>
+            </p:cNvPr>
+            <p:cNvCxnSpPr>
+              <a:cxnSpLocks/>
+            </p:cNvCxnSpPr>
+            <p:nvPr/>
+          </p:nvCxnSpPr>
+          <p:spPr>
+            <a:xfrm rot="5400000">
+              <a:off x="3945186" y="3686077"/>
+              <a:ext cx="0" cy="67377"/>
+            </a:xfrm>
+            <a:prstGeom prst="line">
+              <a:avLst/>
+            </a:prstGeom>
+            <a:ln w="19050" cap="rnd">
+              <a:solidFill>
+                <a:schemeClr val="bg1"/>
+              </a:solidFill>
+            </a:ln>
+          </p:spPr>
+          <p:style>
+            <a:lnRef idx="1">
+              <a:schemeClr val="accent1"/>
+            </a:lnRef>
+            <a:fillRef idx="0">
+              <a:schemeClr val="accent1"/>
+            </a:fillRef>
+            <a:effectRef idx="0">
+              <a:schemeClr val="accent1"/>
+            </a:effectRef>
+            <a:fontRef idx="minor">
+              <a:schemeClr val="tx1"/>
+            </a:fontRef>
+          </p:style>
+        </p:cxnSp>
+        <p:cxnSp>
+          <p:nvCxnSpPr>
+            <p:cNvPr id="129" name="Straight Connector 128">
+              <a:extLst>
+                <a:ext uri="{FF2B5EF4-FFF2-40B4-BE49-F238E27FC236}">
+                  <a16:creationId xmlns:a16="http://schemas.microsoft.com/office/drawing/2014/main" id="{0F58F36B-283E-7440-88BB-A5F0ED7959C7}"/>
+                </a:ext>
+              </a:extLst>
+            </p:cNvPr>
+            <p:cNvCxnSpPr>
+              <a:cxnSpLocks/>
+            </p:cNvCxnSpPr>
+            <p:nvPr/>
+          </p:nvCxnSpPr>
+          <p:spPr>
+            <a:xfrm rot="5400000">
+              <a:off x="3945186" y="3983077"/>
+              <a:ext cx="0" cy="67377"/>
+            </a:xfrm>
+            <a:prstGeom prst="line">
+              <a:avLst/>
+            </a:prstGeom>
+            <a:ln w="19050" cap="rnd">
+              <a:solidFill>
+                <a:schemeClr val="bg1"/>
+              </a:solidFill>
+            </a:ln>
+          </p:spPr>
+          <p:style>
+            <a:lnRef idx="1">
+              <a:schemeClr val="accent1"/>
+            </a:lnRef>
+            <a:fillRef idx="0">
+              <a:schemeClr val="accent1"/>
+            </a:fillRef>
+            <a:effectRef idx="0">
+              <a:schemeClr val="accent1"/>
+            </a:effectRef>
+            <a:fontRef idx="minor">
+              <a:schemeClr val="tx1"/>
+            </a:fontRef>
+          </p:style>
+        </p:cxnSp>
+        <p:cxnSp>
+          <p:nvCxnSpPr>
+            <p:cNvPr id="130" name="Straight Connector 129">
+              <a:extLst>
+                <a:ext uri="{FF2B5EF4-FFF2-40B4-BE49-F238E27FC236}">
+                  <a16:creationId xmlns:a16="http://schemas.microsoft.com/office/drawing/2014/main" id="{72BD02A8-6434-B1A8-103D-370AD477989A}"/>
+                </a:ext>
+              </a:extLst>
+            </p:cNvPr>
+            <p:cNvCxnSpPr>
+              <a:cxnSpLocks/>
+            </p:cNvCxnSpPr>
+            <p:nvPr/>
+          </p:nvCxnSpPr>
+          <p:spPr>
+            <a:xfrm rot="5400000">
+              <a:off x="4322747" y="3686077"/>
+              <a:ext cx="0" cy="67377"/>
+            </a:xfrm>
+            <a:prstGeom prst="line">
+              <a:avLst/>
+            </a:prstGeom>
+            <a:ln w="19050" cap="rnd">
+              <a:solidFill>
+                <a:schemeClr val="bg1"/>
+              </a:solidFill>
+            </a:ln>
+          </p:spPr>
+          <p:style>
+            <a:lnRef idx="1">
+              <a:schemeClr val="accent1"/>
+            </a:lnRef>
+            <a:fillRef idx="0">
+              <a:schemeClr val="accent1"/>
+            </a:fillRef>
+            <a:effectRef idx="0">
+              <a:schemeClr val="accent1"/>
+            </a:effectRef>
+            <a:fontRef idx="minor">
+              <a:schemeClr val="tx1"/>
+            </a:fontRef>
+          </p:style>
+        </p:cxnSp>
+        <p:cxnSp>
+          <p:nvCxnSpPr>
+            <p:cNvPr id="131" name="Straight Connector 130">
+              <a:extLst>
+                <a:ext uri="{FF2B5EF4-FFF2-40B4-BE49-F238E27FC236}">
+                  <a16:creationId xmlns:a16="http://schemas.microsoft.com/office/drawing/2014/main" id="{4D3D6F01-370A-C40B-1350-C1CED8E65D2E}"/>
+                </a:ext>
+              </a:extLst>
+            </p:cNvPr>
+            <p:cNvCxnSpPr>
+              <a:cxnSpLocks/>
+            </p:cNvCxnSpPr>
+            <p:nvPr/>
+          </p:nvCxnSpPr>
+          <p:spPr>
+            <a:xfrm rot="5400000">
+              <a:off x="4322747" y="3983077"/>
+              <a:ext cx="0" cy="67377"/>
+            </a:xfrm>
+            <a:prstGeom prst="line">
+              <a:avLst/>
+            </a:prstGeom>
+            <a:ln w="19050" cap="rnd">
+              <a:solidFill>
+                <a:schemeClr val="bg1"/>
+              </a:solidFill>
+            </a:ln>
+          </p:spPr>
+          <p:style>
+            <a:lnRef idx="1">
+              <a:schemeClr val="accent1"/>
+            </a:lnRef>
+            <a:fillRef idx="0">
+              <a:schemeClr val="accent1"/>
+            </a:fillRef>
+            <a:effectRef idx="0">
+              <a:schemeClr val="accent1"/>
+            </a:effectRef>
+            <a:fontRef idx="minor">
+              <a:schemeClr val="tx1"/>
+            </a:fontRef>
+          </p:style>
+        </p:cxnSp>
+        <p:cxnSp>
+          <p:nvCxnSpPr>
+            <p:cNvPr id="132" name="Straight Connector 131">
+              <a:extLst>
+                <a:ext uri="{FF2B5EF4-FFF2-40B4-BE49-F238E27FC236}">
+                  <a16:creationId xmlns:a16="http://schemas.microsoft.com/office/drawing/2014/main" id="{CC0C47FD-B4A2-E30B-34AC-4AFCBEE929A4}"/>
+                </a:ext>
+              </a:extLst>
+            </p:cNvPr>
+            <p:cNvCxnSpPr>
+              <a:cxnSpLocks/>
+            </p:cNvCxnSpPr>
+            <p:nvPr/>
+          </p:nvCxnSpPr>
+          <p:spPr>
+            <a:xfrm rot="5400000">
+              <a:off x="4253795" y="3721415"/>
+              <a:ext cx="35640" cy="32341"/>
+            </a:xfrm>
+            <a:prstGeom prst="line">
+              <a:avLst/>
+            </a:prstGeom>
+            <a:ln w="19050" cap="rnd">
+              <a:solidFill>
+                <a:schemeClr val="bg1"/>
+              </a:solidFill>
+            </a:ln>
+          </p:spPr>
+          <p:style>
+            <a:lnRef idx="1">
+              <a:schemeClr val="accent1"/>
+            </a:lnRef>
+            <a:fillRef idx="0">
+              <a:schemeClr val="accent1"/>
+            </a:fillRef>
+            <a:effectRef idx="0">
+              <a:schemeClr val="accent1"/>
+            </a:effectRef>
+            <a:fontRef idx="minor">
+              <a:schemeClr val="tx1"/>
+            </a:fontRef>
+          </p:style>
+        </p:cxnSp>
+        <p:cxnSp>
+          <p:nvCxnSpPr>
+            <p:cNvPr id="133" name="Straight Connector 132">
+              <a:extLst>
+                <a:ext uri="{FF2B5EF4-FFF2-40B4-BE49-F238E27FC236}">
+                  <a16:creationId xmlns:a16="http://schemas.microsoft.com/office/drawing/2014/main" id="{924DCC95-701B-5746-2B85-21DB8B75B558}"/>
+                </a:ext>
+              </a:extLst>
+            </p:cNvPr>
+            <p:cNvCxnSpPr>
+              <a:cxnSpLocks/>
+            </p:cNvCxnSpPr>
+            <p:nvPr/>
+          </p:nvCxnSpPr>
+          <p:spPr>
+            <a:xfrm rot="5400000">
+              <a:off x="3977225" y="3982775"/>
+              <a:ext cx="35640" cy="32341"/>
+            </a:xfrm>
+            <a:prstGeom prst="line">
+              <a:avLst/>
+            </a:prstGeom>
+            <a:ln w="19050" cap="rnd">
+              <a:solidFill>
+                <a:schemeClr val="bg1"/>
+              </a:solidFill>
+            </a:ln>
+          </p:spPr>
+          <p:style>
+            <a:lnRef idx="1">
+              <a:schemeClr val="accent1"/>
+            </a:lnRef>
+            <a:fillRef idx="0">
+              <a:schemeClr val="accent1"/>
+            </a:fillRef>
+            <a:effectRef idx="0">
+              <a:schemeClr val="accent1"/>
+            </a:effectRef>
+            <a:fontRef idx="minor">
+              <a:schemeClr val="tx1"/>
+            </a:fontRef>
+          </p:style>
+        </p:cxnSp>
+        <p:cxnSp>
+          <p:nvCxnSpPr>
+            <p:cNvPr id="134" name="Straight Connector 133">
+              <a:extLst>
+                <a:ext uri="{FF2B5EF4-FFF2-40B4-BE49-F238E27FC236}">
+                  <a16:creationId xmlns:a16="http://schemas.microsoft.com/office/drawing/2014/main" id="{F0A9D00C-60E1-9510-6632-81D2BE910421}"/>
+                </a:ext>
+              </a:extLst>
+            </p:cNvPr>
+            <p:cNvCxnSpPr>
+              <a:cxnSpLocks/>
+            </p:cNvCxnSpPr>
+            <p:nvPr/>
+          </p:nvCxnSpPr>
+          <p:spPr>
+            <a:xfrm rot="10800000">
+              <a:off x="3978875" y="3719765"/>
+              <a:ext cx="32341" cy="35640"/>
+            </a:xfrm>
+            <a:prstGeom prst="line">
+              <a:avLst/>
+            </a:prstGeom>
+            <a:ln w="19050" cap="rnd">
+              <a:solidFill>
+                <a:schemeClr val="bg1"/>
+              </a:solidFill>
+            </a:ln>
+          </p:spPr>
+          <p:style>
+            <a:lnRef idx="1">
+              <a:schemeClr val="accent1"/>
+            </a:lnRef>
+            <a:fillRef idx="0">
+              <a:schemeClr val="accent1"/>
+            </a:fillRef>
+            <a:effectRef idx="0">
+              <a:schemeClr val="accent1"/>
+            </a:effectRef>
+            <a:fontRef idx="minor">
+              <a:schemeClr val="tx1"/>
+            </a:fontRef>
+          </p:style>
+        </p:cxnSp>
+        <p:cxnSp>
+          <p:nvCxnSpPr>
+            <p:cNvPr id="135" name="Straight Connector 134">
+              <a:extLst>
+                <a:ext uri="{FF2B5EF4-FFF2-40B4-BE49-F238E27FC236}">
+                  <a16:creationId xmlns:a16="http://schemas.microsoft.com/office/drawing/2014/main" id="{E8A33841-6C52-53A4-4724-A7B56892256B}"/>
+                </a:ext>
+              </a:extLst>
+            </p:cNvPr>
+            <p:cNvCxnSpPr>
+              <a:cxnSpLocks/>
+            </p:cNvCxnSpPr>
+            <p:nvPr/>
+          </p:nvCxnSpPr>
+          <p:spPr>
+            <a:xfrm rot="10800000">
+              <a:off x="4255445" y="3981124"/>
+              <a:ext cx="32341" cy="35640"/>
+            </a:xfrm>
+            <a:prstGeom prst="line">
+              <a:avLst/>
+            </a:prstGeom>
+            <a:ln w="19050" cap="rnd">
+              <a:solidFill>
+                <a:schemeClr val="bg1"/>
+              </a:solidFill>
+            </a:ln>
+          </p:spPr>
+          <p:style>
+            <a:lnRef idx="1">
+              <a:schemeClr val="accent1"/>
+            </a:lnRef>
+            <a:fillRef idx="0">
+              <a:schemeClr val="accent1"/>
+            </a:fillRef>
+            <a:effectRef idx="0">
+              <a:schemeClr val="accent1"/>
+            </a:effectRef>
+            <a:fontRef idx="minor">
+              <a:schemeClr val="tx1"/>
+            </a:fontRef>
+          </p:style>
+        </p:cxnSp>
+        <p:cxnSp>
+          <p:nvCxnSpPr>
+            <p:cNvPr id="136" name="Straight Connector 135">
+              <a:extLst>
+                <a:ext uri="{FF2B5EF4-FFF2-40B4-BE49-F238E27FC236}">
+                  <a16:creationId xmlns:a16="http://schemas.microsoft.com/office/drawing/2014/main" id="{52CA6DAE-7049-A03E-54C8-4ED219E7B992}"/>
+                </a:ext>
+              </a:extLst>
+            </p:cNvPr>
+            <p:cNvCxnSpPr>
+              <a:cxnSpLocks/>
+            </p:cNvCxnSpPr>
+            <p:nvPr/>
+          </p:nvCxnSpPr>
+          <p:spPr>
+            <a:xfrm flipH="1">
+              <a:off x="4012406" y="3756808"/>
+              <a:ext cx="243039" cy="0"/>
+            </a:xfrm>
+            <a:prstGeom prst="line">
+              <a:avLst/>
+            </a:prstGeom>
+            <a:ln w="19050" cap="rnd">
+              <a:solidFill>
+                <a:schemeClr val="bg1"/>
+              </a:solidFill>
+            </a:ln>
+          </p:spPr>
+          <p:style>
+            <a:lnRef idx="1">
+              <a:schemeClr val="accent1"/>
+            </a:lnRef>
+            <a:fillRef idx="0">
+              <a:schemeClr val="accent1"/>
+            </a:fillRef>
+            <a:effectRef idx="0">
+              <a:schemeClr val="accent1"/>
+            </a:effectRef>
+            <a:fontRef idx="minor">
+              <a:schemeClr val="tx1"/>
+            </a:fontRef>
+          </p:style>
+        </p:cxnSp>
+        <p:cxnSp>
+          <p:nvCxnSpPr>
+            <p:cNvPr id="137" name="Straight Connector 136">
+              <a:extLst>
+                <a:ext uri="{FF2B5EF4-FFF2-40B4-BE49-F238E27FC236}">
+                  <a16:creationId xmlns:a16="http://schemas.microsoft.com/office/drawing/2014/main" id="{14408700-89D5-433E-04EA-5A8FC70BFCCE}"/>
+                </a:ext>
+              </a:extLst>
+            </p:cNvPr>
+            <p:cNvCxnSpPr>
+              <a:cxnSpLocks/>
+            </p:cNvCxnSpPr>
+            <p:nvPr/>
+          </p:nvCxnSpPr>
+          <p:spPr>
+            <a:xfrm flipH="1">
+              <a:off x="4011216" y="3981124"/>
+              <a:ext cx="252000" cy="0"/>
+            </a:xfrm>
+            <a:prstGeom prst="line">
+              <a:avLst/>
+            </a:prstGeom>
+            <a:ln w="19050" cap="rnd">
+              <a:solidFill>
+                <a:schemeClr val="bg1"/>
+              </a:solidFill>
+            </a:ln>
+          </p:spPr>
+          <p:style>
+            <a:lnRef idx="1">
+              <a:schemeClr val="accent1"/>
+            </a:lnRef>
+            <a:fillRef idx="0">
+              <a:schemeClr val="accent1"/>
+            </a:fillRef>
+            <a:effectRef idx="0">
+              <a:schemeClr val="accent1"/>
+            </a:effectRef>
+            <a:fontRef idx="minor">
+              <a:schemeClr val="tx1"/>
+            </a:fontRef>
+          </p:style>
+        </p:cxnSp>
+        <p:sp>
+          <p:nvSpPr>
+            <p:cNvPr id="138" name="Rectangle 137">
+              <a:extLst>
+                <a:ext uri="{FF2B5EF4-FFF2-40B4-BE49-F238E27FC236}">
+                  <a16:creationId xmlns:a16="http://schemas.microsoft.com/office/drawing/2014/main" id="{30AFF180-E440-9258-8116-6FFEA2D5D875}"/>
+                </a:ext>
+              </a:extLst>
+            </p:cNvPr>
+            <p:cNvSpPr/>
+            <p:nvPr/>
+          </p:nvSpPr>
+          <p:spPr>
+            <a:xfrm>
+              <a:off x="4048659" y="3775932"/>
+              <a:ext cx="171521" cy="184666"/>
+            </a:xfrm>
+            <a:prstGeom prst="rect">
+              <a:avLst/>
+            </a:prstGeom>
+            <a:noFill/>
+            <a:ln w="19050">
+              <a:noFill/>
+            </a:ln>
+          </p:spPr>
+          <p:style>
+            <a:lnRef idx="2">
+              <a:schemeClr val="accent1">
+                <a:shade val="50000"/>
+              </a:schemeClr>
+            </a:lnRef>
+            <a:fillRef idx="1">
+              <a:schemeClr val="accent1"/>
+            </a:fillRef>
+            <a:effectRef idx="0">
+              <a:schemeClr val="accent1"/>
+            </a:effectRef>
+            <a:fontRef idx="minor">
+              <a:schemeClr val="lt1"/>
+            </a:fontRef>
+          </p:style>
+          <p:txBody>
+            <a:bodyPr wrap="none" lIns="0" tIns="0" rIns="0" bIns="0" rtlCol="0" anchor="ctr">
+              <a:spAutoFit/>
+            </a:bodyPr>
+            <a:lstStyle/>
+            <a:p>
+              <a:pPr algn="ctr"/>
+              <a:r>
+                <a:rPr lang="da-DK" sz="1200" b="1" dirty="0">
+                  <a:latin typeface="Tecnico" panose="02000503000000000000" pitchFamily="2" charset="0"/>
+                </a:rPr>
+                <a:t>A8</a:t>
+              </a:r>
+            </a:p>
+          </p:txBody>
+        </p:sp>
+      </p:grpSp>
+    </p:spTree>
+    <p:extLst>
+      <p:ext uri="{BB962C8B-B14F-4D97-AF65-F5344CB8AC3E}">
+        <p14:creationId xmlns:p14="http://schemas.microsoft.com/office/powerpoint/2010/main" val="1905785888"/>
+      </p:ext>
+    </p:extLst>
+  </p:cSld>
+  <p:clrMapOvr>
+    <a:masterClrMapping/>
+  </p:clrMapOvr>
+</p:sld>
+</file>
+
+<file path=ppt/slides/slide5.xml><?xml version="1.0" encoding="utf-8"?>
+<p:sld xmlns:a="http://schemas.openxmlformats.org/drawingml/2006/main" xmlns:r="http://schemas.openxmlformats.org/officeDocument/2006/relationships" xmlns:p="http://schemas.openxmlformats.org/presentationml/2006/main">
+  <p:cSld>
+    <p:spTree>
+      <p:nvGrpSpPr>
         <p:cNvPr id="1" name=""/>
         <p:cNvGrpSpPr/>
         <p:nvPr/>
@@ -12892,7 +17711,7 @@
 </p:sld>
 </file>
 
-<file path=ppt/slides/slide5.xml><?xml version="1.0" encoding="utf-8"?>
+<file path=ppt/slides/slide6.xml><?xml version="1.0" encoding="utf-8"?>
 <p:sld xmlns:a="http://schemas.openxmlformats.org/drawingml/2006/main" xmlns:r="http://schemas.openxmlformats.org/officeDocument/2006/relationships" xmlns:p="http://schemas.openxmlformats.org/presentationml/2006/main">
   <p:cSld>
     <p:spTree>
@@ -13413,7 +18232,7 @@
 </p:sld>
 </file>
 
-<file path=ppt/slides/slide6.xml><?xml version="1.0" encoding="utf-8"?>
+<file path=ppt/slides/slide7.xml><?xml version="1.0" encoding="utf-8"?>
 <p:sld xmlns:a="http://schemas.openxmlformats.org/drawingml/2006/main" xmlns:r="http://schemas.openxmlformats.org/officeDocument/2006/relationships" xmlns:p="http://schemas.openxmlformats.org/presentationml/2006/main">
   <p:cSld>
     <p:spTree>
